--- a/Презентация.pptx
+++ b/Презентация.pptx
@@ -15,8 +15,10 @@
     <p:sldId id="264" r:id="rId9"/>
     <p:sldId id="266" r:id="rId10"/>
     <p:sldId id="265" r:id="rId11"/>
-    <p:sldId id="267" r:id="rId12"/>
-    <p:sldId id="268" r:id="rId13"/>
+    <p:sldId id="270" r:id="rId12"/>
+    <p:sldId id="267" r:id="rId13"/>
+    <p:sldId id="268" r:id="rId14"/>
+    <p:sldId id="269" r:id="rId15"/>
   </p:sldIdLst>
   <p:sldSz cx="9144000" cy="6858000" type="screen4x3"/>
   <p:notesSz cx="6858000" cy="9144000"/>
@@ -16375,10 +16377,6 @@
               </a:rPr>
               <a:t>ГУМАНИТАРНО-ПЕДАГОГИЧЕСКАЯ АКАДЕМИЯ (ФИЛИАЛ)</a:t>
             </a:r>
-            <a:endParaRPr lang="ru-RU" sz="1350" b="1" dirty="0">
-              <a:latin typeface="Times New Roman" panose="02020603050405020304" pitchFamily="18" charset="0"/>
-              <a:cs typeface="Times New Roman" panose="02020603050405020304" pitchFamily="18" charset="0"/>
-            </a:endParaRPr>
           </a:p>
         </p:txBody>
       </p:sp>
@@ -16474,18 +16472,6 @@
               </a:rPr>
               <a:t>ФГБОУ «МДЦ «АРТЕК»</a:t>
             </a:r>
-            <a:endParaRPr lang="ru-RU" sz="3000" b="1" u="sng" dirty="0">
-              <a:ln w="0"/>
-              <a:effectLst>
-                <a:outerShdw blurRad="38100" dist="19050" dir="2700000" algn="tl" rotWithShape="0">
-                  <a:schemeClr val="dk1">
-                    <a:alpha val="40000"/>
-                  </a:schemeClr>
-                </a:outerShdw>
-              </a:effectLst>
-              <a:latin typeface="Times New Roman" panose="02020603050405020304" pitchFamily="18" charset="0"/>
-              <a:cs typeface="Times New Roman" panose="02020603050405020304" pitchFamily="18" charset="0"/>
-            </a:endParaRPr>
           </a:p>
         </p:txBody>
       </p:sp>
@@ -16564,15 +16550,7 @@
             </a:r>
             <a:r>
               <a:rPr lang="ru-RU" altLang="ru-RU" sz="1350" b="1" dirty="0"/>
-              <a:t> 	                </a:t>
-            </a:r>
-            <a:r>
-              <a:rPr lang="ru-RU" altLang="ru-RU" sz="1350" b="1" dirty="0"/>
-              <a:t>обучающийся </a:t>
-            </a:r>
-            <a:r>
-              <a:rPr lang="ru-RU" altLang="ru-RU" sz="1350" b="1" dirty="0"/>
-              <a:t>группы </a:t>
+              <a:t> 	                обучающийся группы </a:t>
             </a:r>
             <a:r>
               <a:rPr lang="en-US" altLang="ru-RU" sz="1350" b="1" dirty="0"/>
@@ -16580,11 +16558,7 @@
             </a:r>
             <a:r>
               <a:rPr lang="ru-RU" altLang="ru-RU" sz="1350" b="1" dirty="0"/>
-              <a:t>ИН                     		</a:t>
-            </a:r>
-            <a:r>
-              <a:rPr lang="ru-RU" altLang="ru-RU" sz="1350" b="1" dirty="0"/>
-              <a:t>                </a:t>
+              <a:t>ИН                     		                </a:t>
             </a:r>
             <a:r>
               <a:rPr lang="ru-RU" altLang="ru-RU" sz="1350" b="1" dirty="0" err="1"/>
@@ -16592,11 +16566,7 @@
             </a:r>
             <a:r>
               <a:rPr lang="ru-RU" altLang="ru-RU" sz="1350" b="1" dirty="0"/>
-              <a:t> </a:t>
-            </a:r>
-            <a:r>
-              <a:rPr lang="ru-RU" altLang="ru-RU" sz="1350" b="1" dirty="0"/>
-              <a:t>Д.Г.</a:t>
+              <a:t> Д.Г.</a:t>
             </a:r>
           </a:p>
         </p:txBody>
@@ -17588,6 +17558,164 @@
         </p:nvSpPr>
         <p:spPr>
           <a:xfrm>
+            <a:off x="959049" y="848824"/>
+            <a:ext cx="7207807" cy="1615827"/>
+          </a:xfrm>
+          <a:prstGeom prst="rect">
+            <a:avLst/>
+          </a:prstGeom>
+          <a:noFill/>
+        </p:spPr>
+        <p:txBody>
+          <a:bodyPr wrap="none" lIns="91440" tIns="45720" rIns="91440" bIns="45720">
+            <a:spAutoFit/>
+          </a:bodyPr>
+          <a:lstStyle/>
+          <a:p>
+            <a:pPr algn="ctr"/>
+            <a:r>
+              <a:rPr lang="ru-RU" sz="3300" b="0" cap="none" spc="0" dirty="0" smtClean="0">
+                <a:ln w="0"/>
+                <a:solidFill>
+                  <a:schemeClr val="tx1"/>
+                </a:solidFill>
+                <a:effectLst>
+                  <a:outerShdw blurRad="38100" dist="19050" dir="2700000" algn="tl" rotWithShape="0">
+                    <a:schemeClr val="dk1">
+                      <a:alpha val="40000"/>
+                    </a:schemeClr>
+                  </a:outerShdw>
+                </a:effectLst>
+              </a:rPr>
+              <a:t>Для реализации системы мониторинга</a:t>
+            </a:r>
+          </a:p>
+          <a:p>
+            <a:pPr algn="ctr"/>
+            <a:r>
+              <a:rPr lang="ru-RU" sz="3300" dirty="0" smtClean="0">
+                <a:ln w="0"/>
+                <a:effectLst>
+                  <a:outerShdw blurRad="38100" dist="19050" dir="2700000" algn="tl" rotWithShape="0">
+                    <a:schemeClr val="dk1">
+                      <a:alpha val="40000"/>
+                    </a:schemeClr>
+                  </a:outerShdw>
+                </a:effectLst>
+              </a:rPr>
+              <a:t>Была выбрана клиент-серверная </a:t>
+            </a:r>
+          </a:p>
+          <a:p>
+            <a:pPr algn="ctr"/>
+            <a:r>
+              <a:rPr lang="ru-RU" sz="3300" dirty="0" smtClean="0">
+                <a:ln w="0"/>
+                <a:effectLst>
+                  <a:outerShdw blurRad="38100" dist="19050" dir="2700000" algn="tl" rotWithShape="0">
+                    <a:schemeClr val="dk1">
+                      <a:alpha val="40000"/>
+                    </a:schemeClr>
+                  </a:outerShdw>
+                </a:effectLst>
+              </a:rPr>
+              <a:t>модель</a:t>
+            </a:r>
+            <a:endParaRPr lang="ru-RU" sz="3300" b="0" cap="none" spc="0" dirty="0">
+              <a:ln w="0"/>
+              <a:solidFill>
+                <a:schemeClr val="tx1"/>
+              </a:solidFill>
+              <a:effectLst>
+                <a:outerShdw blurRad="38100" dist="19050" dir="2700000" algn="tl" rotWithShape="0">
+                  <a:schemeClr val="dk1">
+                    <a:alpha val="40000"/>
+                  </a:schemeClr>
+                </a:outerShdw>
+              </a:effectLst>
+            </a:endParaRPr>
+          </a:p>
+        </p:txBody>
+      </p:sp>
+      <p:pic>
+        <p:nvPicPr>
+          <p:cNvPr id="1026" name="Picture 2" descr="Image result for client server"/>
+          <p:cNvPicPr>
+            <a:picLocks noChangeAspect="1" noChangeArrowheads="1"/>
+          </p:cNvPicPr>
+          <p:nvPr/>
+        </p:nvPicPr>
+        <p:blipFill>
+          <a:blip r:embed="rId2" cstate="print">
+            <a:extLst>
+              <a:ext uri="{28A0092B-C50C-407E-A947-70E740481C1C}">
+                <a14:useLocalDpi xmlns:a14="http://schemas.microsoft.com/office/drawing/2010/main" val="0"/>
+              </a:ext>
+            </a:extLst>
+          </a:blip>
+          <a:srcRect/>
+          <a:stretch>
+            <a:fillRect/>
+          </a:stretch>
+        </p:blipFill>
+        <p:spPr bwMode="auto">
+          <a:xfrm>
+            <a:off x="1585091" y="1656737"/>
+            <a:ext cx="5955721" cy="4466791"/>
+          </a:xfrm>
+          <a:prstGeom prst="rect">
+            <a:avLst/>
+          </a:prstGeom>
+          <a:noFill/>
+          <a:extLst>
+            <a:ext uri="{909E8E84-426E-40DD-AFC4-6F175D3DCCD1}">
+              <a14:hiddenFill xmlns:a14="http://schemas.microsoft.com/office/drawing/2010/main">
+                <a:solidFill>
+                  <a:srgbClr val="FFFFFF"/>
+                </a:solidFill>
+              </a14:hiddenFill>
+            </a:ext>
+          </a:extLst>
+        </p:spPr>
+      </p:pic>
+    </p:spTree>
+    <p:extLst>
+      <p:ext uri="{BB962C8B-B14F-4D97-AF65-F5344CB8AC3E}">
+        <p14:creationId xmlns:p14="http://schemas.microsoft.com/office/powerpoint/2010/main" val="4099878497"/>
+      </p:ext>
+    </p:extLst>
+  </p:cSld>
+  <p:clrMapOvr>
+    <a:masterClrMapping/>
+  </p:clrMapOvr>
+</p:sld>
+</file>
+
+<file path=ppt/slides/slide12.xml><?xml version="1.0" encoding="utf-8"?>
+<p:sld xmlns:a="http://schemas.openxmlformats.org/drawingml/2006/main" xmlns:r="http://schemas.openxmlformats.org/officeDocument/2006/relationships" xmlns:p="http://schemas.openxmlformats.org/presentationml/2006/main">
+  <p:cSld>
+    <p:spTree>
+      <p:nvGrpSpPr>
+        <p:cNvPr id="1" name=""/>
+        <p:cNvGrpSpPr/>
+        <p:nvPr/>
+      </p:nvGrpSpPr>
+      <p:grpSpPr>
+        <a:xfrm>
+          <a:off x="0" y="0"/>
+          <a:ext cx="0" cy="0"/>
+          <a:chOff x="0" y="0"/>
+          <a:chExt cx="0" cy="0"/>
+        </a:xfrm>
+      </p:grpSpPr>
+      <p:sp>
+        <p:nvSpPr>
+          <p:cNvPr id="2" name="Прямоугольник 1"/>
+          <p:cNvSpPr/>
+          <p:nvPr/>
+        </p:nvSpPr>
+        <p:spPr>
+          <a:xfrm>
             <a:off x="818004" y="88333"/>
             <a:ext cx="7055329" cy="923330"/>
           </a:xfrm>
@@ -17704,7 +17832,7 @@
             </a:pPr>
             <a:r>
               <a:rPr lang="ru-RU" dirty="0" smtClean="0"/>
-              <a:t>Кроссплатформенность</a:t>
+              <a:t>Кроссплатформенная </a:t>
             </a:r>
           </a:p>
           <a:p>
@@ -17776,7 +17904,7 @@
 </p:sld>
 </file>
 
-<file path=ppt/slides/slide12.xml><?xml version="1.0" encoding="utf-8"?>
+<file path=ppt/slides/slide13.xml><?xml version="1.0" encoding="utf-8"?>
 <p:sld xmlns:a="http://schemas.openxmlformats.org/drawingml/2006/main" xmlns:r="http://schemas.openxmlformats.org/officeDocument/2006/relationships" xmlns:p="http://schemas.openxmlformats.org/presentationml/2006/main">
   <p:cSld>
     <p:spTree>
@@ -18019,6 +18147,36 @@
 </p:sld>
 </file>
 
+<file path=ppt/slides/slide14.xml><?xml version="1.0" encoding="utf-8"?>
+<p:sld xmlns:a="http://schemas.openxmlformats.org/drawingml/2006/main" xmlns:r="http://schemas.openxmlformats.org/officeDocument/2006/relationships" xmlns:p="http://schemas.openxmlformats.org/presentationml/2006/main">
+  <p:cSld>
+    <p:spTree>
+      <p:nvGrpSpPr>
+        <p:cNvPr id="1" name=""/>
+        <p:cNvGrpSpPr/>
+        <p:nvPr/>
+      </p:nvGrpSpPr>
+      <p:grpSpPr>
+        <a:xfrm>
+          <a:off x="0" y="0"/>
+          <a:ext cx="0" cy="0"/>
+          <a:chOff x="0" y="0"/>
+          <a:chExt cx="0" cy="0"/>
+        </a:xfrm>
+      </p:grpSpPr>
+    </p:spTree>
+    <p:extLst>
+      <p:ext uri="{BB962C8B-B14F-4D97-AF65-F5344CB8AC3E}">
+        <p14:creationId xmlns:p14="http://schemas.microsoft.com/office/powerpoint/2010/main" val="820716056"/>
+      </p:ext>
+    </p:extLst>
+  </p:cSld>
+  <p:clrMapOvr>
+    <a:masterClrMapping/>
+  </p:clrMapOvr>
+</p:sld>
+</file>
+
 <file path=ppt/slides/slide2.xml><?xml version="1.0" encoding="utf-8"?>
 <p:sld xmlns:a="http://schemas.openxmlformats.org/drawingml/2006/main" xmlns:r="http://schemas.openxmlformats.org/officeDocument/2006/relationships" xmlns:p="http://schemas.openxmlformats.org/presentationml/2006/main">
   <p:cSld>
@@ -18072,16 +18230,6 @@
               </a:rPr>
               <a:t>Актуальность исследования</a:t>
             </a:r>
-            <a:endParaRPr lang="ru-RU" sz="4050" dirty="0">
-              <a:ln w="0"/>
-              <a:effectLst>
-                <a:outerShdw blurRad="38100" dist="19050" dir="2700000" algn="tl" rotWithShape="0">
-                  <a:schemeClr val="dk1">
-                    <a:alpha val="40000"/>
-                  </a:schemeClr>
-                </a:outerShdw>
-              </a:effectLst>
-            </a:endParaRPr>
           </a:p>
         </p:txBody>
       </p:sp>
@@ -18137,7 +18285,6 @@
               <a:rPr lang="ru-RU" dirty="0"/>
               <a:t>	</a:t>
             </a:r>
-            <a:endParaRPr lang="ru-RU" dirty="0"/>
           </a:p>
           <a:p>
             <a:pPr algn="just"/>
@@ -18145,7 +18292,6 @@
               <a:rPr lang="ru-RU" dirty="0"/>
               <a:t>	</a:t>
             </a:r>
-            <a:endParaRPr lang="ru-RU" dirty="0"/>
           </a:p>
           <a:p>
             <a:pPr algn="just"/>
@@ -18153,7 +18299,6 @@
               <a:rPr lang="ru-RU" dirty="0"/>
               <a:t>	</a:t>
             </a:r>
-            <a:endParaRPr lang="ru-RU" dirty="0"/>
           </a:p>
         </p:txBody>
       </p:sp>
@@ -18230,16 +18375,6 @@
               </a:rPr>
               <a:t>Цель исследования</a:t>
             </a:r>
-            <a:endParaRPr lang="ru-RU" sz="4050" dirty="0">
-              <a:ln w="0"/>
-              <a:effectLst>
-                <a:outerShdw blurRad="38100" dist="19050" dir="2700000" algn="tl" rotWithShape="0">
-                  <a:schemeClr val="dk1">
-                    <a:alpha val="40000"/>
-                  </a:schemeClr>
-                </a:outerShdw>
-              </a:effectLst>
-            </a:endParaRPr>
           </a:p>
         </p:txBody>
       </p:sp>
@@ -18277,7 +18412,6 @@
               <a:rPr lang="ru-RU" altLang="ru-RU" sz="2100" dirty="0"/>
               <a:t>Анализ технологий мониторинга локальный вычислительной сети, исследование ее возможных неполадок и способов их устранения, а также разработка информационной системы мониторинга локальной вычислительной сети «ФГБОУ МДЦ «Артек»</a:t>
             </a:r>
-            <a:endParaRPr lang="ru-RU" altLang="ru-RU" sz="2100" dirty="0"/>
           </a:p>
         </p:txBody>
       </p:sp>
@@ -18354,16 +18488,6 @@
               </a:rPr>
               <a:t>Задачи исследования</a:t>
             </a:r>
-            <a:endParaRPr lang="ru-RU" sz="4050" dirty="0">
-              <a:ln w="0"/>
-              <a:effectLst>
-                <a:outerShdw blurRad="38100" dist="19050" dir="2700000" algn="tl" rotWithShape="0">
-                  <a:schemeClr val="dk1">
-                    <a:alpha val="40000"/>
-                  </a:schemeClr>
-                </a:outerShdw>
-              </a:effectLst>
-            </a:endParaRPr>
           </a:p>
         </p:txBody>
       </p:sp>
@@ -19766,8 +19890,8 @@
         </p:nvSpPr>
         <p:spPr>
           <a:xfrm>
-            <a:off x="1150613" y="459524"/>
-            <a:ext cx="6553076" cy="1938992"/>
+            <a:off x="1174209" y="459524"/>
+            <a:ext cx="6505885" cy="1938992"/>
           </a:xfrm>
           <a:prstGeom prst="rect">
             <a:avLst/>
@@ -19830,6 +19954,19 @@
           <a:p>
             <a:pPr algn="ctr"/>
             <a:r>
+              <a:rPr lang="ru-RU" sz="4000" dirty="0">
+                <a:ln w="0"/>
+                <a:effectLst>
+                  <a:outerShdw blurRad="38100" dist="19050" dir="2700000" algn="tl" rotWithShape="0">
+                    <a:schemeClr val="dk1">
+                      <a:alpha val="40000"/>
+                    </a:schemeClr>
+                  </a:outerShdw>
+                </a:effectLst>
+              </a:rPr>
+              <a:t>к</a:t>
+            </a:r>
+            <a:r>
               <a:rPr lang="ru-RU" sz="4000" b="0" cap="none" spc="0" dirty="0" smtClean="0">
                 <a:ln w="0"/>
                 <a:solidFill>
@@ -19843,7 +19980,7 @@
                   </a:outerShdw>
                 </a:effectLst>
               </a:rPr>
-              <a:t>Каждое устройство из списка</a:t>
+              <a:t>аждое устройство из списка</a:t>
             </a:r>
             <a:endParaRPr lang="ru-RU" sz="4000" b="0" cap="none" spc="0" dirty="0">
               <a:ln w="0"/>
@@ -19869,7 +20006,7 @@
         </p:nvSpPr>
         <p:spPr>
           <a:xfrm>
-            <a:off x="2391176" y="3537703"/>
+            <a:off x="2599405" y="3166511"/>
             <a:ext cx="4071949" cy="1231106"/>
           </a:xfrm>
           <a:prstGeom prst="rect">

--- a/Презентация.pptx
+++ b/Презентация.pptx
@@ -4,6 +4,9 @@
   <p:sldMasterIdLst>
     <p:sldMasterId id="2147484055" r:id="rId1"/>
   </p:sldMasterIdLst>
+  <p:notesMasterIdLst>
+    <p:notesMasterId r:id="rId21"/>
+  </p:notesMasterIdLst>
   <p:sldIdLst>
     <p:sldId id="256" r:id="rId2"/>
     <p:sldId id="257" r:id="rId3"/>
@@ -18,7 +21,12 @@
     <p:sldId id="270" r:id="rId12"/>
     <p:sldId id="267" r:id="rId13"/>
     <p:sldId id="268" r:id="rId14"/>
-    <p:sldId id="269" r:id="rId15"/>
+    <p:sldId id="273" r:id="rId15"/>
+    <p:sldId id="269" r:id="rId16"/>
+    <p:sldId id="272" r:id="rId17"/>
+    <p:sldId id="274" r:id="rId18"/>
+    <p:sldId id="275" r:id="rId19"/>
+    <p:sldId id="276" r:id="rId20"/>
   </p:sldIdLst>
   <p:sldSz cx="9144000" cy="6858000" type="screen4x3"/>
   <p:notesSz cx="6858000" cy="9144000"/>
@@ -134,6 +142,440 @@
     </p:ext>
   </p:extLst>
 </p:presentation>
+</file>
+
+<file path=ppt/notesMasters/notesMaster1.xml><?xml version="1.0" encoding="utf-8"?>
+<p:notesMaster xmlns:a="http://schemas.openxmlformats.org/drawingml/2006/main" xmlns:r="http://schemas.openxmlformats.org/officeDocument/2006/relationships" xmlns:p="http://schemas.openxmlformats.org/presentationml/2006/main">
+  <p:cSld>
+    <p:bg>
+      <p:bgRef idx="1001">
+        <a:schemeClr val="bg1"/>
+      </p:bgRef>
+    </p:bg>
+    <p:spTree>
+      <p:nvGrpSpPr>
+        <p:cNvPr id="1" name=""/>
+        <p:cNvGrpSpPr/>
+        <p:nvPr/>
+      </p:nvGrpSpPr>
+      <p:grpSpPr>
+        <a:xfrm>
+          <a:off x="0" y="0"/>
+          <a:ext cx="0" cy="0"/>
+          <a:chOff x="0" y="0"/>
+          <a:chExt cx="0" cy="0"/>
+        </a:xfrm>
+      </p:grpSpPr>
+      <p:sp>
+        <p:nvSpPr>
+          <p:cNvPr id="2" name="Верхний колонтитул 1"/>
+          <p:cNvSpPr>
+            <a:spLocks noGrp="1"/>
+          </p:cNvSpPr>
+          <p:nvPr>
+            <p:ph type="hdr" sz="quarter"/>
+          </p:nvPr>
+        </p:nvSpPr>
+        <p:spPr>
+          <a:xfrm>
+            <a:off x="0" y="0"/>
+            <a:ext cx="2971800" cy="458788"/>
+          </a:xfrm>
+          <a:prstGeom prst="rect">
+            <a:avLst/>
+          </a:prstGeom>
+        </p:spPr>
+        <p:txBody>
+          <a:bodyPr vert="horz" lIns="91440" tIns="45720" rIns="91440" bIns="45720" rtlCol="0"/>
+          <a:lstStyle>
+            <a:lvl1pPr algn="l">
+              <a:defRPr sz="1200"/>
+            </a:lvl1pPr>
+          </a:lstStyle>
+          <a:p>
+            <a:endParaRPr lang="ru-RU"/>
+          </a:p>
+        </p:txBody>
+      </p:sp>
+      <p:sp>
+        <p:nvSpPr>
+          <p:cNvPr id="3" name="Дата 2"/>
+          <p:cNvSpPr>
+            <a:spLocks noGrp="1"/>
+          </p:cNvSpPr>
+          <p:nvPr>
+            <p:ph type="dt" idx="1"/>
+          </p:nvPr>
+        </p:nvSpPr>
+        <p:spPr>
+          <a:xfrm>
+            <a:off x="3884613" y="0"/>
+            <a:ext cx="2971800" cy="458788"/>
+          </a:xfrm>
+          <a:prstGeom prst="rect">
+            <a:avLst/>
+          </a:prstGeom>
+        </p:spPr>
+        <p:txBody>
+          <a:bodyPr vert="horz" lIns="91440" tIns="45720" rIns="91440" bIns="45720" rtlCol="0"/>
+          <a:lstStyle>
+            <a:lvl1pPr algn="r">
+              <a:defRPr sz="1200"/>
+            </a:lvl1pPr>
+          </a:lstStyle>
+          <a:p>
+            <a:fld id="{FF10816E-DEB5-4081-AB96-BB1DB46C414D}" type="datetimeFigureOut">
+              <a:rPr lang="ru-RU" smtClean="0"/>
+              <a:t>30.11.2018</a:t>
+            </a:fld>
+            <a:endParaRPr lang="ru-RU"/>
+          </a:p>
+        </p:txBody>
+      </p:sp>
+      <p:sp>
+        <p:nvSpPr>
+          <p:cNvPr id="4" name="Образ слайда 3"/>
+          <p:cNvSpPr>
+            <a:spLocks noGrp="1" noRot="1" noChangeAspect="1"/>
+          </p:cNvSpPr>
+          <p:nvPr>
+            <p:ph type="sldImg" idx="2"/>
+          </p:nvPr>
+        </p:nvSpPr>
+        <p:spPr>
+          <a:xfrm>
+            <a:off x="1371600" y="1143000"/>
+            <a:ext cx="4114800" cy="3086100"/>
+          </a:xfrm>
+          <a:prstGeom prst="rect">
+            <a:avLst/>
+          </a:prstGeom>
+          <a:noFill/>
+          <a:ln w="12700">
+            <a:solidFill>
+              <a:prstClr val="black"/>
+            </a:solidFill>
+          </a:ln>
+        </p:spPr>
+        <p:txBody>
+          <a:bodyPr vert="horz" lIns="91440" tIns="45720" rIns="91440" bIns="45720" rtlCol="0" anchor="ctr"/>
+          <a:lstStyle/>
+          <a:p>
+            <a:endParaRPr lang="ru-RU"/>
+          </a:p>
+        </p:txBody>
+      </p:sp>
+      <p:sp>
+        <p:nvSpPr>
+          <p:cNvPr id="5" name="Заметки 4"/>
+          <p:cNvSpPr>
+            <a:spLocks noGrp="1"/>
+          </p:cNvSpPr>
+          <p:nvPr>
+            <p:ph type="body" sz="quarter" idx="3"/>
+          </p:nvPr>
+        </p:nvSpPr>
+        <p:spPr>
+          <a:xfrm>
+            <a:off x="685800" y="4400550"/>
+            <a:ext cx="5486400" cy="3600450"/>
+          </a:xfrm>
+          <a:prstGeom prst="rect">
+            <a:avLst/>
+          </a:prstGeom>
+        </p:spPr>
+        <p:txBody>
+          <a:bodyPr vert="horz" lIns="91440" tIns="45720" rIns="91440" bIns="45720" rtlCol="0"/>
+          <a:lstStyle/>
+          <a:p>
+            <a:pPr lvl="0"/>
+            <a:r>
+              <a:rPr lang="ru-RU" smtClean="0"/>
+              <a:t>Образец текста</a:t>
+            </a:r>
+          </a:p>
+          <a:p>
+            <a:pPr lvl="1"/>
+            <a:r>
+              <a:rPr lang="ru-RU" smtClean="0"/>
+              <a:t>Второй уровень</a:t>
+            </a:r>
+          </a:p>
+          <a:p>
+            <a:pPr lvl="2"/>
+            <a:r>
+              <a:rPr lang="ru-RU" smtClean="0"/>
+              <a:t>Третий уровень</a:t>
+            </a:r>
+          </a:p>
+          <a:p>
+            <a:pPr lvl="3"/>
+            <a:r>
+              <a:rPr lang="ru-RU" smtClean="0"/>
+              <a:t>Четвертый уровень</a:t>
+            </a:r>
+          </a:p>
+          <a:p>
+            <a:pPr lvl="4"/>
+            <a:r>
+              <a:rPr lang="ru-RU" smtClean="0"/>
+              <a:t>Пятый уровень</a:t>
+            </a:r>
+            <a:endParaRPr lang="ru-RU"/>
+          </a:p>
+        </p:txBody>
+      </p:sp>
+      <p:sp>
+        <p:nvSpPr>
+          <p:cNvPr id="6" name="Нижний колонтитул 5"/>
+          <p:cNvSpPr>
+            <a:spLocks noGrp="1"/>
+          </p:cNvSpPr>
+          <p:nvPr>
+            <p:ph type="ftr" sz="quarter" idx="4"/>
+          </p:nvPr>
+        </p:nvSpPr>
+        <p:spPr>
+          <a:xfrm>
+            <a:off x="0" y="8685213"/>
+            <a:ext cx="2971800" cy="458787"/>
+          </a:xfrm>
+          <a:prstGeom prst="rect">
+            <a:avLst/>
+          </a:prstGeom>
+        </p:spPr>
+        <p:txBody>
+          <a:bodyPr vert="horz" lIns="91440" tIns="45720" rIns="91440" bIns="45720" rtlCol="0" anchor="b"/>
+          <a:lstStyle>
+            <a:lvl1pPr algn="l">
+              <a:defRPr sz="1200"/>
+            </a:lvl1pPr>
+          </a:lstStyle>
+          <a:p>
+            <a:endParaRPr lang="ru-RU"/>
+          </a:p>
+        </p:txBody>
+      </p:sp>
+      <p:sp>
+        <p:nvSpPr>
+          <p:cNvPr id="7" name="Номер слайда 6"/>
+          <p:cNvSpPr>
+            <a:spLocks noGrp="1"/>
+          </p:cNvSpPr>
+          <p:nvPr>
+            <p:ph type="sldNum" sz="quarter" idx="5"/>
+          </p:nvPr>
+        </p:nvSpPr>
+        <p:spPr>
+          <a:xfrm>
+            <a:off x="3884613" y="8685213"/>
+            <a:ext cx="2971800" cy="458787"/>
+          </a:xfrm>
+          <a:prstGeom prst="rect">
+            <a:avLst/>
+          </a:prstGeom>
+        </p:spPr>
+        <p:txBody>
+          <a:bodyPr vert="horz" lIns="91440" tIns="45720" rIns="91440" bIns="45720" rtlCol="0" anchor="b"/>
+          <a:lstStyle>
+            <a:lvl1pPr algn="r">
+              <a:defRPr sz="1200"/>
+            </a:lvl1pPr>
+          </a:lstStyle>
+          <a:p>
+            <a:fld id="{C50B9AB7-F03A-4B76-88D2-1A4711D11F5D}" type="slidenum">
+              <a:rPr lang="ru-RU" smtClean="0"/>
+              <a:t>‹#›</a:t>
+            </a:fld>
+            <a:endParaRPr lang="ru-RU"/>
+          </a:p>
+        </p:txBody>
+      </p:sp>
+    </p:spTree>
+    <p:extLst>
+      <p:ext uri="{BB962C8B-B14F-4D97-AF65-F5344CB8AC3E}">
+        <p14:creationId xmlns:p14="http://schemas.microsoft.com/office/powerpoint/2010/main" val="301309904"/>
+      </p:ext>
+    </p:extLst>
+  </p:cSld>
+  <p:clrMap bg1="lt1" tx1="dk1" bg2="lt2" tx2="dk2" accent1="accent1" accent2="accent2" accent3="accent3" accent4="accent4" accent5="accent5" accent6="accent6" hlink="hlink" folHlink="folHlink"/>
+  <p:notesStyle>
+    <a:lvl1pPr marL="0" algn="l" defTabSz="914400" rtl="0" eaLnBrk="1" latinLnBrk="0" hangingPunct="1">
+      <a:defRPr sz="1200" kern="1200">
+        <a:solidFill>
+          <a:schemeClr val="tx1"/>
+        </a:solidFill>
+        <a:latin typeface="+mn-lt"/>
+        <a:ea typeface="+mn-ea"/>
+        <a:cs typeface="+mn-cs"/>
+      </a:defRPr>
+    </a:lvl1pPr>
+    <a:lvl2pPr marL="457200" algn="l" defTabSz="914400" rtl="0" eaLnBrk="1" latinLnBrk="0" hangingPunct="1">
+      <a:defRPr sz="1200" kern="1200">
+        <a:solidFill>
+          <a:schemeClr val="tx1"/>
+        </a:solidFill>
+        <a:latin typeface="+mn-lt"/>
+        <a:ea typeface="+mn-ea"/>
+        <a:cs typeface="+mn-cs"/>
+      </a:defRPr>
+    </a:lvl2pPr>
+    <a:lvl3pPr marL="914400" algn="l" defTabSz="914400" rtl="0" eaLnBrk="1" latinLnBrk="0" hangingPunct="1">
+      <a:defRPr sz="1200" kern="1200">
+        <a:solidFill>
+          <a:schemeClr val="tx1"/>
+        </a:solidFill>
+        <a:latin typeface="+mn-lt"/>
+        <a:ea typeface="+mn-ea"/>
+        <a:cs typeface="+mn-cs"/>
+      </a:defRPr>
+    </a:lvl3pPr>
+    <a:lvl4pPr marL="1371600" algn="l" defTabSz="914400" rtl="0" eaLnBrk="1" latinLnBrk="0" hangingPunct="1">
+      <a:defRPr sz="1200" kern="1200">
+        <a:solidFill>
+          <a:schemeClr val="tx1"/>
+        </a:solidFill>
+        <a:latin typeface="+mn-lt"/>
+        <a:ea typeface="+mn-ea"/>
+        <a:cs typeface="+mn-cs"/>
+      </a:defRPr>
+    </a:lvl4pPr>
+    <a:lvl5pPr marL="1828800" algn="l" defTabSz="914400" rtl="0" eaLnBrk="1" latinLnBrk="0" hangingPunct="1">
+      <a:defRPr sz="1200" kern="1200">
+        <a:solidFill>
+          <a:schemeClr val="tx1"/>
+        </a:solidFill>
+        <a:latin typeface="+mn-lt"/>
+        <a:ea typeface="+mn-ea"/>
+        <a:cs typeface="+mn-cs"/>
+      </a:defRPr>
+    </a:lvl5pPr>
+    <a:lvl6pPr marL="2286000" algn="l" defTabSz="914400" rtl="0" eaLnBrk="1" latinLnBrk="0" hangingPunct="1">
+      <a:defRPr sz="1200" kern="1200">
+        <a:solidFill>
+          <a:schemeClr val="tx1"/>
+        </a:solidFill>
+        <a:latin typeface="+mn-lt"/>
+        <a:ea typeface="+mn-ea"/>
+        <a:cs typeface="+mn-cs"/>
+      </a:defRPr>
+    </a:lvl6pPr>
+    <a:lvl7pPr marL="2743200" algn="l" defTabSz="914400" rtl="0" eaLnBrk="1" latinLnBrk="0" hangingPunct="1">
+      <a:defRPr sz="1200" kern="1200">
+        <a:solidFill>
+          <a:schemeClr val="tx1"/>
+        </a:solidFill>
+        <a:latin typeface="+mn-lt"/>
+        <a:ea typeface="+mn-ea"/>
+        <a:cs typeface="+mn-cs"/>
+      </a:defRPr>
+    </a:lvl7pPr>
+    <a:lvl8pPr marL="3200400" algn="l" defTabSz="914400" rtl="0" eaLnBrk="1" latinLnBrk="0" hangingPunct="1">
+      <a:defRPr sz="1200" kern="1200">
+        <a:solidFill>
+          <a:schemeClr val="tx1"/>
+        </a:solidFill>
+        <a:latin typeface="+mn-lt"/>
+        <a:ea typeface="+mn-ea"/>
+        <a:cs typeface="+mn-cs"/>
+      </a:defRPr>
+    </a:lvl8pPr>
+    <a:lvl9pPr marL="3657600" algn="l" defTabSz="914400" rtl="0" eaLnBrk="1" latinLnBrk="0" hangingPunct="1">
+      <a:defRPr sz="1200" kern="1200">
+        <a:solidFill>
+          <a:schemeClr val="tx1"/>
+        </a:solidFill>
+        <a:latin typeface="+mn-lt"/>
+        <a:ea typeface="+mn-ea"/>
+        <a:cs typeface="+mn-cs"/>
+      </a:defRPr>
+    </a:lvl9pPr>
+  </p:notesStyle>
+</p:notesMaster>
+</file>
+
+<file path=ppt/notesSlides/notesSlide1.xml><?xml version="1.0" encoding="utf-8"?>
+<p:notes xmlns:a="http://schemas.openxmlformats.org/drawingml/2006/main" xmlns:r="http://schemas.openxmlformats.org/officeDocument/2006/relationships" xmlns:p="http://schemas.openxmlformats.org/presentationml/2006/main">
+  <p:cSld>
+    <p:spTree>
+      <p:nvGrpSpPr>
+        <p:cNvPr id="1" name=""/>
+        <p:cNvGrpSpPr/>
+        <p:nvPr/>
+      </p:nvGrpSpPr>
+      <p:grpSpPr>
+        <a:xfrm>
+          <a:off x="0" y="0"/>
+          <a:ext cx="0" cy="0"/>
+          <a:chOff x="0" y="0"/>
+          <a:chExt cx="0" cy="0"/>
+        </a:xfrm>
+      </p:grpSpPr>
+      <p:sp>
+        <p:nvSpPr>
+          <p:cNvPr id="2" name="Образ слайда 1"/>
+          <p:cNvSpPr>
+            <a:spLocks noGrp="1" noRot="1" noChangeAspect="1"/>
+          </p:cNvSpPr>
+          <p:nvPr>
+            <p:ph type="sldImg"/>
+          </p:nvPr>
+        </p:nvSpPr>
+        <p:spPr/>
+      </p:sp>
+      <p:sp>
+        <p:nvSpPr>
+          <p:cNvPr id="3" name="Заметки 2"/>
+          <p:cNvSpPr>
+            <a:spLocks noGrp="1"/>
+          </p:cNvSpPr>
+          <p:nvPr>
+            <p:ph type="body" idx="1"/>
+          </p:nvPr>
+        </p:nvSpPr>
+        <p:spPr/>
+        <p:txBody>
+          <a:bodyPr/>
+          <a:lstStyle/>
+          <a:p>
+            <a:endParaRPr lang="ru-RU" dirty="0"/>
+          </a:p>
+        </p:txBody>
+      </p:sp>
+      <p:sp>
+        <p:nvSpPr>
+          <p:cNvPr id="4" name="Номер слайда 3"/>
+          <p:cNvSpPr>
+            <a:spLocks noGrp="1"/>
+          </p:cNvSpPr>
+          <p:nvPr>
+            <p:ph type="sldNum" sz="quarter" idx="10"/>
+          </p:nvPr>
+        </p:nvSpPr>
+        <p:spPr/>
+        <p:txBody>
+          <a:bodyPr/>
+          <a:lstStyle/>
+          <a:p>
+            <a:fld id="{C50B9AB7-F03A-4B76-88D2-1A4711D11F5D}" type="slidenum">
+              <a:rPr lang="ru-RU" smtClean="0"/>
+              <a:t>5</a:t>
+            </a:fld>
+            <a:endParaRPr lang="ru-RU"/>
+          </a:p>
+        </p:txBody>
+      </p:sp>
+    </p:spTree>
+    <p:extLst>
+      <p:ext uri="{BB962C8B-B14F-4D97-AF65-F5344CB8AC3E}">
+        <p14:creationId xmlns:p14="http://schemas.microsoft.com/office/powerpoint/2010/main" val="1195591057"/>
+      </p:ext>
+    </p:extLst>
+  </p:cSld>
+  <p:clrMapOvr>
+    <a:masterClrMapping/>
+  </p:clrMapOvr>
+</p:notes>
 </file>
 
 <file path=ppt/slideLayouts/slideLayout1.xml><?xml version="1.0" encoding="utf-8"?>
@@ -6769,7 +7211,7 @@
           <a:p>
             <a:fld id="{5E5C5582-D9B6-4415-B102-8236DEA01994}" type="datetimeFigureOut">
               <a:rPr lang="ru-RU" smtClean="0"/>
-              <a:t>29.11.2018</a:t>
+              <a:t>30.11.2018</a:t>
             </a:fld>
             <a:endParaRPr lang="ru-RU"/>
           </a:p>
@@ -6976,7 +7418,7 @@
           <a:p>
             <a:fld id="{5E5C5582-D9B6-4415-B102-8236DEA01994}" type="datetimeFigureOut">
               <a:rPr lang="ru-RU" smtClean="0"/>
-              <a:t>29.11.2018</a:t>
+              <a:t>30.11.2018</a:t>
             </a:fld>
             <a:endParaRPr lang="ru-RU"/>
           </a:p>
@@ -7156,7 +7598,7 @@
           <a:p>
             <a:fld id="{5E5C5582-D9B6-4415-B102-8236DEA01994}" type="datetimeFigureOut">
               <a:rPr lang="ru-RU" smtClean="0"/>
-              <a:t>29.11.2018</a:t>
+              <a:t>30.11.2018</a:t>
             </a:fld>
             <a:endParaRPr lang="ru-RU"/>
           </a:p>
@@ -7361,7 +7803,7 @@
           <a:p>
             <a:fld id="{5E5C5582-D9B6-4415-B102-8236DEA01994}" type="datetimeFigureOut">
               <a:rPr lang="ru-RU" smtClean="0"/>
-              <a:t>29.11.2018</a:t>
+              <a:t>30.11.2018</a:t>
             </a:fld>
             <a:endParaRPr lang="ru-RU"/>
           </a:p>
@@ -14099,7 +14541,7 @@
           <a:p>
             <a:fld id="{5E5C5582-D9B6-4415-B102-8236DEA01994}" type="datetimeFigureOut">
               <a:rPr lang="ru-RU" smtClean="0"/>
-              <a:t>29.11.2018</a:t>
+              <a:t>30.11.2018</a:t>
             </a:fld>
             <a:endParaRPr lang="ru-RU"/>
           </a:p>
@@ -14373,7 +14815,7 @@
           <a:p>
             <a:fld id="{5E5C5582-D9B6-4415-B102-8236DEA01994}" type="datetimeFigureOut">
               <a:rPr lang="ru-RU" smtClean="0"/>
-              <a:t>29.11.2018</a:t>
+              <a:t>30.11.2018</a:t>
             </a:fld>
             <a:endParaRPr lang="ru-RU"/>
           </a:p>
@@ -14776,7 +15218,7 @@
           <a:p>
             <a:fld id="{5E5C5582-D9B6-4415-B102-8236DEA01994}" type="datetimeFigureOut">
               <a:rPr lang="ru-RU" smtClean="0"/>
-              <a:t>29.11.2018</a:t>
+              <a:t>30.11.2018</a:t>
             </a:fld>
             <a:endParaRPr lang="ru-RU"/>
           </a:p>
@@ -14894,7 +15336,7 @@
           <a:p>
             <a:fld id="{5E5C5582-D9B6-4415-B102-8236DEA01994}" type="datetimeFigureOut">
               <a:rPr lang="ru-RU" smtClean="0"/>
-              <a:t>29.11.2018</a:t>
+              <a:t>30.11.2018</a:t>
             </a:fld>
             <a:endParaRPr lang="ru-RU"/>
           </a:p>
@@ -14989,7 +15431,7 @@
           <a:p>
             <a:fld id="{5E5C5582-D9B6-4415-B102-8236DEA01994}" type="datetimeFigureOut">
               <a:rPr lang="ru-RU" smtClean="0"/>
-              <a:t>29.11.2018</a:t>
+              <a:t>30.11.2018</a:t>
             </a:fld>
             <a:endParaRPr lang="ru-RU"/>
           </a:p>
@@ -15281,7 +15723,7 @@
           <a:p>
             <a:fld id="{5E5C5582-D9B6-4415-B102-8236DEA01994}" type="datetimeFigureOut">
               <a:rPr lang="ru-RU" smtClean="0"/>
-              <a:t>29.11.2018</a:t>
+              <a:t>30.11.2018</a:t>
             </a:fld>
             <a:endParaRPr lang="ru-RU"/>
           </a:p>
@@ -15561,7 +16003,7 @@
           <a:p>
             <a:fld id="{5E5C5582-D9B6-4415-B102-8236DEA01994}" type="datetimeFigureOut">
               <a:rPr lang="ru-RU" smtClean="0"/>
-              <a:t>29.11.2018</a:t>
+              <a:t>30.11.2018</a:t>
             </a:fld>
             <a:endParaRPr lang="ru-RU"/>
           </a:p>
@@ -15811,7 +16253,7 @@
           <a:p>
             <a:fld id="{5E5C5582-D9B6-4415-B102-8236DEA01994}" type="datetimeFigureOut">
               <a:rPr lang="ru-RU" smtClean="0"/>
-              <a:t>29.11.2018</a:t>
+              <a:t>30.11.2018</a:t>
             </a:fld>
             <a:endParaRPr lang="ru-RU"/>
           </a:p>
@@ -16550,7 +16992,15 @@
             </a:r>
             <a:r>
               <a:rPr lang="ru-RU" altLang="ru-RU" sz="1350" b="1" dirty="0"/>
-              <a:t> 	                обучающийся группы </a:t>
+              <a:t> 	                </a:t>
+            </a:r>
+            <a:r>
+              <a:rPr lang="ru-RU" altLang="ru-RU" sz="1350" b="1" dirty="0" smtClean="0"/>
+              <a:t>           обучающийся </a:t>
+            </a:r>
+            <a:r>
+              <a:rPr lang="ru-RU" altLang="ru-RU" sz="1350" b="1" dirty="0"/>
+              <a:t>группы </a:t>
             </a:r>
             <a:r>
               <a:rPr lang="en-US" altLang="ru-RU" sz="1350" b="1" dirty="0"/>
@@ -16558,15 +17008,27 @@
             </a:r>
             <a:r>
               <a:rPr lang="ru-RU" altLang="ru-RU" sz="1350" b="1" dirty="0"/>
-              <a:t>ИН                     		                </a:t>
+              <a:t>ИН                     </a:t>
             </a:r>
             <a:r>
-              <a:rPr lang="ru-RU" altLang="ru-RU" sz="1350" b="1" dirty="0" err="1"/>
+              <a:rPr lang="ru-RU" altLang="ru-RU" sz="1350" b="1" dirty="0"/>
+              <a:t> </a:t>
+            </a:r>
+            <a:r>
+              <a:rPr lang="ru-RU" altLang="ru-RU" sz="1350" b="1" dirty="0" smtClean="0"/>
+              <a:t>             	                           </a:t>
+            </a:r>
+            <a:r>
+              <a:rPr lang="ru-RU" altLang="ru-RU" sz="1350" b="1" dirty="0" err="1" smtClean="0"/>
               <a:t>Шкабатур</a:t>
             </a:r>
             <a:r>
+              <a:rPr lang="ru-RU" altLang="ru-RU" sz="1350" b="1" dirty="0" smtClean="0"/>
+              <a:t> </a:t>
+            </a:r>
+            <a:r>
               <a:rPr lang="ru-RU" altLang="ru-RU" sz="1350" b="1" dirty="0"/>
-              <a:t> Д.Г.</a:t>
+              <a:t>Д.Г.</a:t>
             </a:r>
           </a:p>
         </p:txBody>
@@ -17593,6 +18055,19 @@
           <a:p>
             <a:pPr algn="ctr"/>
             <a:r>
+              <a:rPr lang="ru-RU" sz="3300" dirty="0">
+                <a:ln w="0"/>
+                <a:effectLst>
+                  <a:outerShdw blurRad="38100" dist="19050" dir="2700000" algn="tl" rotWithShape="0">
+                    <a:schemeClr val="dk1">
+                      <a:alpha val="40000"/>
+                    </a:schemeClr>
+                  </a:outerShdw>
+                </a:effectLst>
+              </a:rPr>
+              <a:t>б</a:t>
+            </a:r>
+            <a:r>
               <a:rPr lang="ru-RU" sz="3300" dirty="0" smtClean="0">
                 <a:ln w="0"/>
                 <a:effectLst>
@@ -17603,7 +18078,20 @@
                   </a:outerShdw>
                 </a:effectLst>
               </a:rPr>
-              <a:t>Была выбрана клиент-серверная </a:t>
+              <a:t>ыла </a:t>
+            </a:r>
+            <a:r>
+              <a:rPr lang="ru-RU" sz="3300" dirty="0" smtClean="0">
+                <a:ln w="0"/>
+                <a:effectLst>
+                  <a:outerShdw blurRad="38100" dist="19050" dir="2700000" algn="tl" rotWithShape="0">
+                    <a:schemeClr val="dk1">
+                      <a:alpha val="40000"/>
+                    </a:schemeClr>
+                  </a:outerShdw>
+                </a:effectLst>
+              </a:rPr>
+              <a:t>выбрана клиент-серверная </a:t>
             </a:r>
           </a:p>
           <a:p>
@@ -17619,7 +18107,7 @@
                   </a:outerShdw>
                 </a:effectLst>
               </a:rPr>
-              <a:t>модель</a:t>
+              <a:t>архитектура</a:t>
             </a:r>
             <a:endParaRPr lang="ru-RU" sz="3300" b="0" cap="none" spc="0" dirty="0">
               <a:ln w="0"/>
@@ -17660,7 +18148,7 @@
         </p:blipFill>
         <p:spPr bwMode="auto">
           <a:xfrm>
-            <a:off x="1585091" y="1656737"/>
+            <a:off x="1798451" y="1839617"/>
             <a:ext cx="5955721" cy="4466791"/>
           </a:xfrm>
           <a:prstGeom prst="rect">
@@ -17813,7 +18301,7 @@
         <p:spPr>
           <a:xfrm>
             <a:off x="4146487" y="4115824"/>
-            <a:ext cx="5504507" cy="1754326"/>
+            <a:ext cx="5504507" cy="1200329"/>
           </a:xfrm>
           <a:prstGeom prst="rect">
             <a:avLst/>
@@ -17842,17 +18330,11 @@
             </a:pPr>
             <a:r>
               <a:rPr lang="ru-RU" dirty="0" smtClean="0"/>
-              <a:t>Встроенный сборщик мусора</a:t>
+              <a:t>Высокая </a:t>
             </a:r>
-          </a:p>
-          <a:p>
-            <a:pPr marL="285750" indent="-285750">
-              <a:buFont typeface="Arial" panose="020B0604020202020204" pitchFamily="34" charset="0"/>
-              <a:buChar char="•"/>
-            </a:pPr>
             <a:r>
               <a:rPr lang="ru-RU" dirty="0" smtClean="0"/>
-              <a:t>Высокая скорость исполнения</a:t>
+              <a:t>скорость исполнения</a:t>
             </a:r>
           </a:p>
           <a:p>
@@ -17863,16 +18345,6 @@
             <a:r>
               <a:rPr lang="ru-RU" dirty="0" smtClean="0"/>
               <a:t>Большой выбор языков программирования</a:t>
-            </a:r>
-          </a:p>
-          <a:p>
-            <a:pPr marL="285750" indent="-285750">
-              <a:buFont typeface="Arial" panose="020B0604020202020204" pitchFamily="34" charset="0"/>
-              <a:buChar char="•"/>
-            </a:pPr>
-            <a:r>
-              <a:rPr lang="ru-RU" dirty="0" smtClean="0"/>
-              <a:t>Распространенность</a:t>
             </a:r>
           </a:p>
           <a:p>
@@ -18023,7 +18495,7 @@
         <p:spPr>
           <a:xfrm>
             <a:off x="3390526" y="3744813"/>
-            <a:ext cx="5567881" cy="2585323"/>
+            <a:ext cx="5567881" cy="2308324"/>
           </a:xfrm>
           <a:prstGeom prst="rect">
             <a:avLst/>
@@ -18084,17 +18556,11 @@
             </a:pPr>
             <a:r>
               <a:rPr lang="ru-RU" dirty="0" smtClean="0"/>
-              <a:t>Почти все структуры данных неизменяемы</a:t>
+              <a:t>Интерактивная </a:t>
             </a:r>
-          </a:p>
-          <a:p>
-            <a:pPr marL="285750" indent="-285750">
-              <a:buFont typeface="Arial" panose="020B0604020202020204" pitchFamily="34" charset="0"/>
-              <a:buChar char="•"/>
-            </a:pPr>
             <a:r>
               <a:rPr lang="ru-RU" dirty="0" smtClean="0"/>
-              <a:t>Интерактивная разработка</a:t>
+              <a:t>разработка</a:t>
             </a:r>
           </a:p>
           <a:p>
@@ -18164,10 +18630,821 @@
           <a:chExt cx="0" cy="0"/>
         </a:xfrm>
       </p:grpSpPr>
+      <p:pic>
+        <p:nvPicPr>
+          <p:cNvPr id="2050" name="Picture 2" descr="Image result for sqlite"/>
+          <p:cNvPicPr>
+            <a:picLocks noChangeAspect="1" noChangeArrowheads="1"/>
+          </p:cNvPicPr>
+          <p:nvPr/>
+        </p:nvPicPr>
+        <p:blipFill>
+          <a:blip r:embed="rId2" cstate="print">
+            <a:extLst>
+              <a:ext uri="{28A0092B-C50C-407E-A947-70E740481C1C}">
+                <a14:useLocalDpi xmlns:a14="http://schemas.microsoft.com/office/drawing/2010/main" val="0"/>
+              </a:ext>
+            </a:extLst>
+          </a:blip>
+          <a:srcRect/>
+          <a:stretch>
+            <a:fillRect/>
+          </a:stretch>
+        </p:blipFill>
+        <p:spPr bwMode="auto">
+          <a:xfrm>
+            <a:off x="315395" y="2898527"/>
+            <a:ext cx="4872239" cy="2309441"/>
+          </a:xfrm>
+          <a:prstGeom prst="rect">
+            <a:avLst/>
+          </a:prstGeom>
+          <a:noFill/>
+          <a:extLst>
+            <a:ext uri="{909E8E84-426E-40DD-AFC4-6F175D3DCCD1}">
+              <a14:hiddenFill xmlns:a14="http://schemas.microsoft.com/office/drawing/2010/main">
+                <a:solidFill>
+                  <a:srgbClr val="FFFFFF"/>
+                </a:solidFill>
+              </a14:hiddenFill>
+            </a:ext>
+          </a:extLst>
+        </p:spPr>
+      </p:pic>
+      <p:sp>
+        <p:nvSpPr>
+          <p:cNvPr id="3" name="Прямоугольник 2"/>
+          <p:cNvSpPr/>
+          <p:nvPr/>
+        </p:nvSpPr>
+        <p:spPr>
+          <a:xfrm>
+            <a:off x="779941" y="0"/>
+            <a:ext cx="7258204" cy="1754326"/>
+          </a:xfrm>
+          <a:prstGeom prst="rect">
+            <a:avLst/>
+          </a:prstGeom>
+          <a:noFill/>
+        </p:spPr>
+        <p:txBody>
+          <a:bodyPr wrap="none" lIns="91440" tIns="45720" rIns="91440" bIns="45720">
+            <a:spAutoFit/>
+          </a:bodyPr>
+          <a:lstStyle/>
+          <a:p>
+            <a:pPr algn="ctr"/>
+            <a:r>
+              <a:rPr lang="ru-RU" sz="5400" dirty="0" smtClean="0">
+                <a:ln w="0"/>
+                <a:effectLst>
+                  <a:outerShdw blurRad="38100" dist="19050" dir="2700000" algn="tl" rotWithShape="0">
+                    <a:schemeClr val="dk1">
+                      <a:alpha val="40000"/>
+                    </a:schemeClr>
+                  </a:outerShdw>
+                </a:effectLst>
+              </a:rPr>
+              <a:t>В качестве базы данных</a:t>
+            </a:r>
+          </a:p>
+          <a:p>
+            <a:pPr algn="ctr"/>
+            <a:r>
+              <a:rPr lang="ru-RU" sz="5400" dirty="0">
+                <a:ln w="0"/>
+                <a:effectLst>
+                  <a:outerShdw blurRad="38100" dist="19050" dir="2700000" algn="tl" rotWithShape="0">
+                    <a:schemeClr val="dk1">
+                      <a:alpha val="40000"/>
+                    </a:schemeClr>
+                  </a:outerShdw>
+                </a:effectLst>
+              </a:rPr>
+              <a:t>и</a:t>
+            </a:r>
+            <a:r>
+              <a:rPr lang="ru-RU" sz="5400" b="0" cap="none" spc="0" dirty="0" smtClean="0">
+                <a:ln w="0"/>
+                <a:solidFill>
+                  <a:schemeClr val="tx1"/>
+                </a:solidFill>
+                <a:effectLst>
+                  <a:outerShdw blurRad="38100" dist="19050" dir="2700000" algn="tl" rotWithShape="0">
+                    <a:schemeClr val="dk1">
+                      <a:alpha val="40000"/>
+                    </a:schemeClr>
+                  </a:outerShdw>
+                </a:effectLst>
+              </a:rPr>
+              <a:t>спользуется </a:t>
+            </a:r>
+            <a:endParaRPr lang="ru-RU" sz="5400" b="0" cap="none" spc="0" dirty="0">
+              <a:ln w="0"/>
+              <a:solidFill>
+                <a:schemeClr val="tx1"/>
+              </a:solidFill>
+              <a:effectLst>
+                <a:outerShdw blurRad="38100" dist="19050" dir="2700000" algn="tl" rotWithShape="0">
+                  <a:schemeClr val="dk1">
+                    <a:alpha val="40000"/>
+                  </a:schemeClr>
+                </a:outerShdw>
+              </a:effectLst>
+            </a:endParaRPr>
+          </a:p>
+        </p:txBody>
+      </p:sp>
+      <p:sp>
+        <p:nvSpPr>
+          <p:cNvPr id="4" name="TextBox 3"/>
+          <p:cNvSpPr txBox="1"/>
+          <p:nvPr/>
+        </p:nvSpPr>
+        <p:spPr>
+          <a:xfrm>
+            <a:off x="5187634" y="3314583"/>
+            <a:ext cx="4182701" cy="1477328"/>
+          </a:xfrm>
+          <a:prstGeom prst="rect">
+            <a:avLst/>
+          </a:prstGeom>
+          <a:noFill/>
+        </p:spPr>
+        <p:txBody>
+          <a:bodyPr wrap="square" rtlCol="0">
+            <a:spAutoFit/>
+          </a:bodyPr>
+          <a:lstStyle/>
+          <a:p>
+            <a:pPr marL="285750" indent="-285750">
+              <a:buFont typeface="Arial" panose="020B0604020202020204" pitchFamily="34" charset="0"/>
+              <a:buChar char="•"/>
+            </a:pPr>
+            <a:r>
+              <a:rPr lang="ru-RU" dirty="0" smtClean="0"/>
+              <a:t>Компактная</a:t>
+            </a:r>
+          </a:p>
+          <a:p>
+            <a:pPr marL="285750" indent="-285750">
+              <a:buFont typeface="Arial" panose="020B0604020202020204" pitchFamily="34" charset="0"/>
+              <a:buChar char="•"/>
+            </a:pPr>
+            <a:r>
+              <a:rPr lang="ru-RU" dirty="0" smtClean="0"/>
+              <a:t>Нет необходимости в установке сервера баз данных</a:t>
+            </a:r>
+          </a:p>
+          <a:p>
+            <a:pPr marL="285750" indent="-285750">
+              <a:buFont typeface="Arial" panose="020B0604020202020204" pitchFamily="34" charset="0"/>
+              <a:buChar char="•"/>
+            </a:pPr>
+            <a:r>
+              <a:rPr lang="ru-RU" dirty="0" smtClean="0"/>
+              <a:t>Хорошая поддержка большинством языков программирования</a:t>
+            </a:r>
+            <a:endParaRPr lang="ru-RU" dirty="0"/>
+          </a:p>
+        </p:txBody>
+      </p:sp>
+    </p:spTree>
+    <p:extLst>
+      <p:ext uri="{BB962C8B-B14F-4D97-AF65-F5344CB8AC3E}">
+        <p14:creationId xmlns:p14="http://schemas.microsoft.com/office/powerpoint/2010/main" val="3780312864"/>
+      </p:ext>
+    </p:extLst>
+  </p:cSld>
+  <p:clrMapOvr>
+    <a:masterClrMapping/>
+  </p:clrMapOvr>
+</p:sld>
+</file>
+
+<file path=ppt/slides/slide15.xml><?xml version="1.0" encoding="utf-8"?>
+<p:sld xmlns:a="http://schemas.openxmlformats.org/drawingml/2006/main" xmlns:r="http://schemas.openxmlformats.org/officeDocument/2006/relationships" xmlns:p="http://schemas.openxmlformats.org/presentationml/2006/main">
+  <p:cSld>
+    <p:spTree>
+      <p:nvGrpSpPr>
+        <p:cNvPr id="1" name=""/>
+        <p:cNvGrpSpPr/>
+        <p:nvPr/>
+      </p:nvGrpSpPr>
+      <p:grpSpPr>
+        <a:xfrm>
+          <a:off x="0" y="0"/>
+          <a:ext cx="0" cy="0"/>
+          <a:chOff x="0" y="0"/>
+          <a:chExt cx="0" cy="0"/>
+        </a:xfrm>
+      </p:grpSpPr>
+      <p:pic>
+        <p:nvPicPr>
+          <p:cNvPr id="2" name="Рисунок 1"/>
+          <p:cNvPicPr>
+            <a:picLocks noChangeAspect="1"/>
+          </p:cNvPicPr>
+          <p:nvPr/>
+        </p:nvPicPr>
+        <p:blipFill>
+          <a:blip r:embed="rId2"/>
+          <a:stretch>
+            <a:fillRect/>
+          </a:stretch>
+        </p:blipFill>
+        <p:spPr>
+          <a:xfrm>
+            <a:off x="266841" y="1870301"/>
+            <a:ext cx="8877159" cy="4922385"/>
+          </a:xfrm>
+          <a:prstGeom prst="rect">
+            <a:avLst/>
+          </a:prstGeom>
+        </p:spPr>
+      </p:pic>
+      <p:sp>
+        <p:nvSpPr>
+          <p:cNvPr id="3" name="Прямоугольник 2"/>
+          <p:cNvSpPr/>
+          <p:nvPr/>
+        </p:nvSpPr>
+        <p:spPr>
+          <a:xfrm>
+            <a:off x="59029" y="336102"/>
+            <a:ext cx="8727389" cy="1200329"/>
+          </a:xfrm>
+          <a:prstGeom prst="rect">
+            <a:avLst/>
+          </a:prstGeom>
+          <a:noFill/>
+        </p:spPr>
+        <p:txBody>
+          <a:bodyPr wrap="none" lIns="91440" tIns="45720" rIns="91440" bIns="45720">
+            <a:spAutoFit/>
+          </a:bodyPr>
+          <a:lstStyle/>
+          <a:p>
+            <a:pPr algn="ctr"/>
+            <a:r>
+              <a:rPr lang="ru-RU" sz="3600" dirty="0" smtClean="0">
+                <a:ln w="0"/>
+                <a:effectLst>
+                  <a:outerShdw blurRad="38100" dist="19050" dir="2700000" algn="tl" rotWithShape="0">
+                    <a:schemeClr val="dk1">
+                      <a:alpha val="40000"/>
+                    </a:schemeClr>
+                  </a:outerShdw>
+                </a:effectLst>
+              </a:rPr>
+              <a:t>Для разработки клиентской</a:t>
+            </a:r>
+          </a:p>
+          <a:p>
+            <a:pPr algn="ctr"/>
+            <a:r>
+              <a:rPr lang="ru-RU" sz="3600" dirty="0" smtClean="0">
+                <a:ln w="0"/>
+                <a:effectLst>
+                  <a:outerShdw blurRad="38100" dist="19050" dir="2700000" algn="tl" rotWithShape="0">
+                    <a:schemeClr val="dk1">
+                      <a:alpha val="40000"/>
+                    </a:schemeClr>
+                  </a:outerShdw>
+                </a:effectLst>
+              </a:rPr>
+              <a:t> части системы использованы мониторинга</a:t>
+            </a:r>
+            <a:endParaRPr lang="ru-RU" sz="3600" b="0" cap="none" spc="0" dirty="0">
+              <a:ln w="0"/>
+              <a:solidFill>
+                <a:schemeClr val="tx1"/>
+              </a:solidFill>
+              <a:effectLst>
+                <a:outerShdw blurRad="38100" dist="19050" dir="2700000" algn="tl" rotWithShape="0">
+                  <a:schemeClr val="dk1">
+                    <a:alpha val="40000"/>
+                  </a:schemeClr>
+                </a:outerShdw>
+              </a:effectLst>
+            </a:endParaRPr>
+          </a:p>
+        </p:txBody>
+      </p:sp>
     </p:spTree>
     <p:extLst>
       <p:ext uri="{BB962C8B-B14F-4D97-AF65-F5344CB8AC3E}">
         <p14:creationId xmlns:p14="http://schemas.microsoft.com/office/powerpoint/2010/main" val="820716056"/>
+      </p:ext>
+    </p:extLst>
+  </p:cSld>
+  <p:clrMapOvr>
+    <a:masterClrMapping/>
+  </p:clrMapOvr>
+</p:sld>
+</file>
+
+<file path=ppt/slides/slide16.xml><?xml version="1.0" encoding="utf-8"?>
+<p:sld xmlns:a="http://schemas.openxmlformats.org/drawingml/2006/main" xmlns:r="http://schemas.openxmlformats.org/officeDocument/2006/relationships" xmlns:p="http://schemas.openxmlformats.org/presentationml/2006/main">
+  <p:cSld>
+    <p:spTree>
+      <p:nvGrpSpPr>
+        <p:cNvPr id="1" name=""/>
+        <p:cNvGrpSpPr/>
+        <p:nvPr/>
+      </p:nvGrpSpPr>
+      <p:grpSpPr>
+        <a:xfrm>
+          <a:off x="0" y="0"/>
+          <a:ext cx="0" cy="0"/>
+          <a:chOff x="0" y="0"/>
+          <a:chExt cx="0" cy="0"/>
+        </a:xfrm>
+      </p:grpSpPr>
+      <p:pic>
+        <p:nvPicPr>
+          <p:cNvPr id="3" name="Рисунок 2"/>
+          <p:cNvPicPr>
+            <a:picLocks noChangeAspect="1"/>
+          </p:cNvPicPr>
+          <p:nvPr/>
+        </p:nvPicPr>
+        <p:blipFill>
+          <a:blip r:embed="rId2">
+            <a:extLst>
+              <a:ext uri="{28A0092B-C50C-407E-A947-70E740481C1C}">
+                <a14:useLocalDpi xmlns:a14="http://schemas.microsoft.com/office/drawing/2010/main" val="0"/>
+              </a:ext>
+            </a:extLst>
+          </a:blip>
+          <a:stretch>
+            <a:fillRect/>
+          </a:stretch>
+        </p:blipFill>
+        <p:spPr>
+          <a:xfrm>
+            <a:off x="187642" y="1864042"/>
+            <a:ext cx="8829675" cy="4486275"/>
+          </a:xfrm>
+          <a:prstGeom prst="rect">
+            <a:avLst/>
+          </a:prstGeom>
+        </p:spPr>
+      </p:pic>
+      <p:sp>
+        <p:nvSpPr>
+          <p:cNvPr id="4" name="Прямоугольник 3"/>
+          <p:cNvSpPr/>
+          <p:nvPr/>
+        </p:nvSpPr>
+        <p:spPr>
+          <a:xfrm>
+            <a:off x="589759" y="170795"/>
+            <a:ext cx="7827336" cy="1323439"/>
+          </a:xfrm>
+          <a:prstGeom prst="rect">
+            <a:avLst/>
+          </a:prstGeom>
+          <a:noFill/>
+        </p:spPr>
+        <p:txBody>
+          <a:bodyPr wrap="none" lIns="91440" tIns="45720" rIns="91440" bIns="45720">
+            <a:spAutoFit/>
+          </a:bodyPr>
+          <a:lstStyle/>
+          <a:p>
+            <a:pPr algn="ctr"/>
+            <a:r>
+              <a:rPr lang="ru-RU" sz="4000" b="0" cap="none" spc="0" dirty="0" smtClean="0">
+                <a:ln w="0"/>
+                <a:solidFill>
+                  <a:schemeClr val="tx1"/>
+                </a:solidFill>
+                <a:effectLst>
+                  <a:outerShdw blurRad="38100" dist="19050" dir="2700000" algn="tl" rotWithShape="0">
+                    <a:schemeClr val="dk1">
+                      <a:alpha val="40000"/>
+                    </a:schemeClr>
+                  </a:outerShdw>
+                </a:effectLst>
+              </a:rPr>
+              <a:t>Архитектура системы мониторинга</a:t>
+            </a:r>
+          </a:p>
+          <a:p>
+            <a:pPr algn="ctr"/>
+            <a:r>
+              <a:rPr lang="ru-RU" sz="4000" dirty="0" smtClean="0">
+                <a:ln w="0"/>
+                <a:effectLst>
+                  <a:outerShdw blurRad="38100" dist="19050" dir="2700000" algn="tl" rotWithShape="0">
+                    <a:schemeClr val="dk1">
+                      <a:alpha val="40000"/>
+                    </a:schemeClr>
+                  </a:outerShdw>
+                </a:effectLst>
+              </a:rPr>
+              <a:t>ЛВС ФГБОУ «МДЦ «Артек»</a:t>
+            </a:r>
+            <a:endParaRPr lang="ru-RU" sz="4000" b="0" cap="none" spc="0" dirty="0">
+              <a:ln w="0"/>
+              <a:solidFill>
+                <a:schemeClr val="tx1"/>
+              </a:solidFill>
+              <a:effectLst>
+                <a:outerShdw blurRad="38100" dist="19050" dir="2700000" algn="tl" rotWithShape="0">
+                  <a:schemeClr val="dk1">
+                    <a:alpha val="40000"/>
+                  </a:schemeClr>
+                </a:outerShdw>
+              </a:effectLst>
+            </a:endParaRPr>
+          </a:p>
+        </p:txBody>
+      </p:sp>
+    </p:spTree>
+    <p:extLst>
+      <p:ext uri="{BB962C8B-B14F-4D97-AF65-F5344CB8AC3E}">
+        <p14:creationId xmlns:p14="http://schemas.microsoft.com/office/powerpoint/2010/main" val="2337872694"/>
+      </p:ext>
+    </p:extLst>
+  </p:cSld>
+  <p:clrMapOvr>
+    <a:masterClrMapping/>
+  </p:clrMapOvr>
+</p:sld>
+</file>
+
+<file path=ppt/slides/slide17.xml><?xml version="1.0" encoding="utf-8"?>
+<p:sld xmlns:a="http://schemas.openxmlformats.org/drawingml/2006/main" xmlns:r="http://schemas.openxmlformats.org/officeDocument/2006/relationships" xmlns:p="http://schemas.openxmlformats.org/presentationml/2006/main">
+  <p:cSld>
+    <p:spTree>
+      <p:nvGrpSpPr>
+        <p:cNvPr id="1" name=""/>
+        <p:cNvGrpSpPr/>
+        <p:nvPr/>
+      </p:nvGrpSpPr>
+      <p:grpSpPr>
+        <a:xfrm>
+          <a:off x="0" y="0"/>
+          <a:ext cx="0" cy="0"/>
+          <a:chOff x="0" y="0"/>
+          <a:chExt cx="0" cy="0"/>
+        </a:xfrm>
+      </p:grpSpPr>
+      <p:pic>
+        <p:nvPicPr>
+          <p:cNvPr id="3" name="Рисунок 2" descr="C:\Users\den\diplom\Главное окно программы.png"/>
+          <p:cNvPicPr/>
+          <p:nvPr/>
+        </p:nvPicPr>
+        <p:blipFill>
+          <a:blip r:embed="rId2" cstate="print">
+            <a:extLst>
+              <a:ext uri="{28A0092B-C50C-407E-A947-70E740481C1C}">
+                <a14:useLocalDpi xmlns:a14="http://schemas.microsoft.com/office/drawing/2010/main" val="0"/>
+              </a:ext>
+            </a:extLst>
+          </a:blip>
+          <a:srcRect/>
+          <a:stretch>
+            <a:fillRect/>
+          </a:stretch>
+        </p:blipFill>
+        <p:spPr bwMode="auto">
+          <a:xfrm>
+            <a:off x="112265" y="1615032"/>
+            <a:ext cx="8873073" cy="4997166"/>
+          </a:xfrm>
+          <a:prstGeom prst="rect">
+            <a:avLst/>
+          </a:prstGeom>
+          <a:noFill/>
+          <a:ln>
+            <a:noFill/>
+          </a:ln>
+        </p:spPr>
+      </p:pic>
+      <p:sp>
+        <p:nvSpPr>
+          <p:cNvPr id="4" name="Прямоугольник 3"/>
+          <p:cNvSpPr/>
+          <p:nvPr/>
+        </p:nvSpPr>
+        <p:spPr>
+          <a:xfrm>
+            <a:off x="637569" y="399395"/>
+            <a:ext cx="7670754" cy="923330"/>
+          </a:xfrm>
+          <a:prstGeom prst="rect">
+            <a:avLst/>
+          </a:prstGeom>
+          <a:noFill/>
+        </p:spPr>
+        <p:txBody>
+          <a:bodyPr wrap="none" lIns="91440" tIns="45720" rIns="91440" bIns="45720">
+            <a:spAutoFit/>
+          </a:bodyPr>
+          <a:lstStyle/>
+          <a:p>
+            <a:pPr algn="ctr"/>
+            <a:r>
+              <a:rPr lang="ru-RU" sz="5400" dirty="0" smtClean="0">
+                <a:ln w="0"/>
+                <a:effectLst>
+                  <a:outerShdw blurRad="38100" dist="19050" dir="2700000" algn="tl" rotWithShape="0">
+                    <a:schemeClr val="dk1">
+                      <a:alpha val="40000"/>
+                    </a:schemeClr>
+                  </a:outerShdw>
+                </a:effectLst>
+              </a:rPr>
+              <a:t>Главное окно программы</a:t>
+            </a:r>
+            <a:endParaRPr lang="ru-RU" sz="5400" b="0" cap="none" spc="0" dirty="0">
+              <a:ln w="0"/>
+              <a:solidFill>
+                <a:schemeClr val="tx1"/>
+              </a:solidFill>
+              <a:effectLst>
+                <a:outerShdw blurRad="38100" dist="19050" dir="2700000" algn="tl" rotWithShape="0">
+                  <a:schemeClr val="dk1">
+                    <a:alpha val="40000"/>
+                  </a:schemeClr>
+                </a:outerShdw>
+              </a:effectLst>
+            </a:endParaRPr>
+          </a:p>
+        </p:txBody>
+      </p:sp>
+    </p:spTree>
+    <p:extLst>
+      <p:ext uri="{BB962C8B-B14F-4D97-AF65-F5344CB8AC3E}">
+        <p14:creationId xmlns:p14="http://schemas.microsoft.com/office/powerpoint/2010/main" val="2747171664"/>
+      </p:ext>
+    </p:extLst>
+  </p:cSld>
+  <p:clrMapOvr>
+    <a:masterClrMapping/>
+  </p:clrMapOvr>
+</p:sld>
+</file>
+
+<file path=ppt/slides/slide18.xml><?xml version="1.0" encoding="utf-8"?>
+<p:sld xmlns:a="http://schemas.openxmlformats.org/drawingml/2006/main" xmlns:r="http://schemas.openxmlformats.org/officeDocument/2006/relationships" xmlns:p="http://schemas.openxmlformats.org/presentationml/2006/main">
+  <p:cSld>
+    <p:spTree>
+      <p:nvGrpSpPr>
+        <p:cNvPr id="1" name=""/>
+        <p:cNvGrpSpPr/>
+        <p:nvPr/>
+      </p:nvGrpSpPr>
+      <p:grpSpPr>
+        <a:xfrm>
+          <a:off x="0" y="0"/>
+          <a:ext cx="0" cy="0"/>
+          <a:chOff x="0" y="0"/>
+          <a:chExt cx="0" cy="0"/>
+        </a:xfrm>
+      </p:grpSpPr>
+      <p:pic>
+        <p:nvPicPr>
+          <p:cNvPr id="2" name="Рисунок 1"/>
+          <p:cNvPicPr>
+            <a:picLocks noChangeAspect="1"/>
+          </p:cNvPicPr>
+          <p:nvPr/>
+        </p:nvPicPr>
+        <p:blipFill rotWithShape="1">
+          <a:blip r:embed="rId2"/>
+          <a:srcRect b="39433"/>
+          <a:stretch/>
+        </p:blipFill>
+        <p:spPr>
+          <a:xfrm>
+            <a:off x="259080" y="1664971"/>
+            <a:ext cx="8664893" cy="2731770"/>
+          </a:xfrm>
+          <a:prstGeom prst="rect">
+            <a:avLst/>
+          </a:prstGeom>
+        </p:spPr>
+      </p:pic>
+      <p:pic>
+        <p:nvPicPr>
+          <p:cNvPr id="3" name="Рисунок 2"/>
+          <p:cNvPicPr>
+            <a:picLocks noChangeAspect="1"/>
+          </p:cNvPicPr>
+          <p:nvPr/>
+        </p:nvPicPr>
+        <p:blipFill rotWithShape="1">
+          <a:blip r:embed="rId3"/>
+          <a:srcRect t="10397" b="35503"/>
+          <a:stretch/>
+        </p:blipFill>
+        <p:spPr>
+          <a:xfrm>
+            <a:off x="265032" y="4396741"/>
+            <a:ext cx="8658941" cy="2438401"/>
+          </a:xfrm>
+          <a:prstGeom prst="rect">
+            <a:avLst/>
+          </a:prstGeom>
+        </p:spPr>
+      </p:pic>
+      <p:sp>
+        <p:nvSpPr>
+          <p:cNvPr id="4" name="Прямоугольник 3"/>
+          <p:cNvSpPr/>
+          <p:nvPr/>
+        </p:nvSpPr>
+        <p:spPr>
+          <a:xfrm>
+            <a:off x="687507" y="155555"/>
+            <a:ext cx="7540398" cy="923330"/>
+          </a:xfrm>
+          <a:prstGeom prst="rect">
+            <a:avLst/>
+          </a:prstGeom>
+          <a:noFill/>
+        </p:spPr>
+        <p:txBody>
+          <a:bodyPr wrap="none" lIns="91440" tIns="45720" rIns="91440" bIns="45720">
+            <a:spAutoFit/>
+          </a:bodyPr>
+          <a:lstStyle/>
+          <a:p>
+            <a:pPr algn="ctr"/>
+            <a:r>
+              <a:rPr lang="ru-RU" sz="5400" dirty="0" smtClean="0">
+                <a:ln w="0"/>
+                <a:effectLst>
+                  <a:outerShdw blurRad="38100" dist="19050" dir="2700000" algn="tl" rotWithShape="0">
+                    <a:schemeClr val="dk1">
+                      <a:alpha val="40000"/>
+                    </a:schemeClr>
+                  </a:outerShdw>
+                </a:effectLst>
+              </a:rPr>
+              <a:t>Вывод результатов из БД</a:t>
+            </a:r>
+            <a:endParaRPr lang="ru-RU" sz="5400" b="0" cap="none" spc="0" dirty="0">
+              <a:ln w="0"/>
+              <a:solidFill>
+                <a:schemeClr val="tx1"/>
+              </a:solidFill>
+              <a:effectLst>
+                <a:outerShdw blurRad="38100" dist="19050" dir="2700000" algn="tl" rotWithShape="0">
+                  <a:schemeClr val="dk1">
+                    <a:alpha val="40000"/>
+                  </a:schemeClr>
+                </a:outerShdw>
+              </a:effectLst>
+            </a:endParaRPr>
+          </a:p>
+        </p:txBody>
+      </p:sp>
+    </p:spTree>
+    <p:extLst>
+      <p:ext uri="{BB962C8B-B14F-4D97-AF65-F5344CB8AC3E}">
+        <p14:creationId xmlns:p14="http://schemas.microsoft.com/office/powerpoint/2010/main" val="1458343476"/>
+      </p:ext>
+    </p:extLst>
+  </p:cSld>
+  <p:clrMapOvr>
+    <a:masterClrMapping/>
+  </p:clrMapOvr>
+</p:sld>
+</file>
+
+<file path=ppt/slides/slide19.xml><?xml version="1.0" encoding="utf-8"?>
+<p:sld xmlns:a="http://schemas.openxmlformats.org/drawingml/2006/main" xmlns:r="http://schemas.openxmlformats.org/officeDocument/2006/relationships" xmlns:p="http://schemas.openxmlformats.org/presentationml/2006/main">
+  <p:cSld>
+    <p:spTree>
+      <p:nvGrpSpPr>
+        <p:cNvPr id="1" name=""/>
+        <p:cNvGrpSpPr/>
+        <p:nvPr/>
+      </p:nvGrpSpPr>
+      <p:grpSpPr>
+        <a:xfrm>
+          <a:off x="0" y="0"/>
+          <a:ext cx="0" cy="0"/>
+          <a:chOff x="0" y="0"/>
+          <a:chExt cx="0" cy="0"/>
+        </a:xfrm>
+      </p:grpSpPr>
+      <p:pic>
+        <p:nvPicPr>
+          <p:cNvPr id="2" name="Рисунок 1"/>
+          <p:cNvPicPr/>
+          <p:nvPr/>
+        </p:nvPicPr>
+        <p:blipFill>
+          <a:blip r:embed="rId2"/>
+          <a:stretch>
+            <a:fillRect/>
+          </a:stretch>
+        </p:blipFill>
+        <p:spPr>
+          <a:xfrm>
+            <a:off x="824547" y="1619567"/>
+            <a:ext cx="7504113" cy="4941253"/>
+          </a:xfrm>
+          <a:prstGeom prst="rect">
+            <a:avLst/>
+          </a:prstGeom>
+        </p:spPr>
+      </p:pic>
+      <p:sp>
+        <p:nvSpPr>
+          <p:cNvPr id="3" name="Прямоугольник 2"/>
+          <p:cNvSpPr/>
+          <p:nvPr/>
+        </p:nvSpPr>
+        <p:spPr>
+          <a:xfrm>
+            <a:off x="981253" y="208895"/>
+            <a:ext cx="6937668" cy="1323439"/>
+          </a:xfrm>
+          <a:prstGeom prst="rect">
+            <a:avLst/>
+          </a:prstGeom>
+          <a:noFill/>
+        </p:spPr>
+        <p:txBody>
+          <a:bodyPr wrap="none" lIns="91440" tIns="45720" rIns="91440" bIns="45720">
+            <a:spAutoFit/>
+          </a:bodyPr>
+          <a:lstStyle/>
+          <a:p>
+            <a:pPr algn="ctr"/>
+            <a:r>
+              <a:rPr lang="ru-RU" sz="4000" b="0" cap="none" spc="0" dirty="0" smtClean="0">
+                <a:ln w="0"/>
+                <a:solidFill>
+                  <a:schemeClr val="tx1"/>
+                </a:solidFill>
+                <a:effectLst>
+                  <a:outerShdw blurRad="38100" dist="19050" dir="2700000" algn="tl" rotWithShape="0">
+                    <a:schemeClr val="dk1">
+                      <a:alpha val="40000"/>
+                    </a:schemeClr>
+                  </a:outerShdw>
+                </a:effectLst>
+              </a:rPr>
+              <a:t>Сеанс работы с коммутатором </a:t>
+            </a:r>
+          </a:p>
+          <a:p>
+            <a:pPr algn="ctr"/>
+            <a:r>
+              <a:rPr lang="ru-RU" sz="4000" dirty="0" smtClean="0">
+                <a:ln w="0"/>
+                <a:effectLst>
+                  <a:outerShdw blurRad="38100" dist="19050" dir="2700000" algn="tl" rotWithShape="0">
+                    <a:schemeClr val="dk1">
+                      <a:alpha val="40000"/>
+                    </a:schemeClr>
+                  </a:outerShdw>
+                </a:effectLst>
+              </a:rPr>
+              <a:t>по протоколу </a:t>
+            </a:r>
+            <a:r>
+              <a:rPr lang="en-US" sz="4000" dirty="0" smtClean="0">
+                <a:ln w="0"/>
+                <a:effectLst>
+                  <a:outerShdw blurRad="38100" dist="19050" dir="2700000" algn="tl" rotWithShape="0">
+                    <a:schemeClr val="dk1">
+                      <a:alpha val="40000"/>
+                    </a:schemeClr>
+                  </a:outerShdw>
+                </a:effectLst>
+              </a:rPr>
+              <a:t>SSH</a:t>
+            </a:r>
+            <a:endParaRPr lang="ru-RU" sz="4000" b="0" cap="none" spc="0" dirty="0">
+              <a:ln w="0"/>
+              <a:solidFill>
+                <a:schemeClr val="tx1"/>
+              </a:solidFill>
+              <a:effectLst>
+                <a:outerShdw blurRad="38100" dist="19050" dir="2700000" algn="tl" rotWithShape="0">
+                  <a:schemeClr val="dk1">
+                    <a:alpha val="40000"/>
+                  </a:schemeClr>
+                </a:outerShdw>
+              </a:effectLst>
+            </a:endParaRPr>
+          </a:p>
+        </p:txBody>
+      </p:sp>
+    </p:spTree>
+    <p:extLst>
+      <p:ext uri="{BB962C8B-B14F-4D97-AF65-F5344CB8AC3E}">
+        <p14:creationId xmlns:p14="http://schemas.microsoft.com/office/powerpoint/2010/main" val="4023464696"/>
       </p:ext>
     </p:extLst>
   </p:cSld>
@@ -18241,8 +19518,8 @@
         </p:nvSpPr>
         <p:spPr>
           <a:xfrm>
-            <a:off x="640681" y="1786689"/>
-            <a:ext cx="7100403" cy="4801314"/>
+            <a:off x="640682" y="1786689"/>
+            <a:ext cx="8017544" cy="4247317"/>
           </a:xfrm>
           <a:prstGeom prst="rect">
             <a:avLst/>
@@ -18410,7 +19687,15 @@
             </a:pPr>
             <a:r>
               <a:rPr lang="ru-RU" altLang="ru-RU" sz="2100" dirty="0"/>
-              <a:t>Анализ технологий мониторинга локальный вычислительной сети, исследование ее возможных неполадок и способов их устранения, а также разработка информационной системы мониторинга локальной вычислительной сети «ФГБОУ МДЦ «Артек»</a:t>
+              <a:t>Анализ технологий мониторинга локальный вычислительной сети, исследование ее возможных неполадок и способов их устранения, а также разработка информационной системы мониторинга локальной вычислительной сети </a:t>
+            </a:r>
+            <a:r>
+              <a:rPr lang="ru-RU" altLang="ru-RU" sz="2100" dirty="0" smtClean="0"/>
+              <a:t>ФГБОУ «МДЦ </a:t>
+            </a:r>
+            <a:r>
+              <a:rPr lang="ru-RU" altLang="ru-RU" sz="2100" dirty="0"/>
+              <a:t>«Артек»</a:t>
             </a:r>
           </a:p>
         </p:txBody>
@@ -20079,6 +21364,56 @@
           </a:p>
         </p:txBody>
       </p:sp>
+      <p:sp>
+        <p:nvSpPr>
+          <p:cNvPr id="5" name="TextBox 4"/>
+          <p:cNvSpPr txBox="1"/>
+          <p:nvPr/>
+        </p:nvSpPr>
+        <p:spPr>
+          <a:xfrm>
+            <a:off x="1524000" y="4565447"/>
+            <a:ext cx="7210425" cy="1200329"/>
+          </a:xfrm>
+          <a:prstGeom prst="rect">
+            <a:avLst/>
+          </a:prstGeom>
+          <a:noFill/>
+        </p:spPr>
+        <p:txBody>
+          <a:bodyPr wrap="square" rtlCol="0">
+            <a:spAutoFit/>
+          </a:bodyPr>
+          <a:lstStyle/>
+          <a:p>
+            <a:r>
+              <a:rPr lang="ru-RU" dirty="0" smtClean="0"/>
+              <a:t>Используется для передачи сообщений об ошибках, возникших при отправке данных. Например:</a:t>
+            </a:r>
+          </a:p>
+          <a:p>
+            <a:pPr marL="285750" indent="-285750">
+              <a:buFont typeface="Arial" panose="020B0604020202020204" pitchFamily="34" charset="0"/>
+              <a:buChar char="•"/>
+            </a:pPr>
+            <a:r>
+              <a:rPr lang="ru-RU" dirty="0" smtClean="0"/>
+              <a:t>Запрашиваемая услуга недоступна</a:t>
+            </a:r>
+          </a:p>
+          <a:p>
+            <a:pPr marL="285750" indent="-285750">
+              <a:buFont typeface="Arial" panose="020B0604020202020204" pitchFamily="34" charset="0"/>
+              <a:buChar char="•"/>
+            </a:pPr>
+            <a:r>
+              <a:rPr lang="ru-RU" dirty="0" smtClean="0"/>
+              <a:t>Хост или маршрутизатор не отвечают</a:t>
+            </a:r>
+            <a:endParaRPr lang="ru-RU" dirty="0"/>
+          </a:p>
+        </p:txBody>
+      </p:sp>
     </p:spTree>
     <p:extLst>
       <p:ext uri="{BB962C8B-B14F-4D97-AF65-F5344CB8AC3E}">
@@ -20365,4 +21700,265 @@
     </a:ext>
   </a:extLst>
 </a:theme>
+</file>
+
+<file path=ppt/theme/theme2.xml><?xml version="1.0" encoding="utf-8"?>
+<a:theme xmlns:a="http://schemas.openxmlformats.org/drawingml/2006/main" name="Тема Office">
+  <a:themeElements>
+    <a:clrScheme name="Стандартная">
+      <a:dk1>
+        <a:sysClr val="windowText" lastClr="000000"/>
+      </a:dk1>
+      <a:lt1>
+        <a:sysClr val="window" lastClr="FFFFFF"/>
+      </a:lt1>
+      <a:dk2>
+        <a:srgbClr val="44546A"/>
+      </a:dk2>
+      <a:lt2>
+        <a:srgbClr val="E7E6E6"/>
+      </a:lt2>
+      <a:accent1>
+        <a:srgbClr val="5B9BD5"/>
+      </a:accent1>
+      <a:accent2>
+        <a:srgbClr val="ED7D31"/>
+      </a:accent2>
+      <a:accent3>
+        <a:srgbClr val="A5A5A5"/>
+      </a:accent3>
+      <a:accent4>
+        <a:srgbClr val="FFC000"/>
+      </a:accent4>
+      <a:accent5>
+        <a:srgbClr val="4472C4"/>
+      </a:accent5>
+      <a:accent6>
+        <a:srgbClr val="70AD47"/>
+      </a:accent6>
+      <a:hlink>
+        <a:srgbClr val="0563C1"/>
+      </a:hlink>
+      <a:folHlink>
+        <a:srgbClr val="954F72"/>
+      </a:folHlink>
+    </a:clrScheme>
+    <a:fontScheme name="Стандартная">
+      <a:majorFont>
+        <a:latin typeface="Calibri Light" panose="020F0302020204030204"/>
+        <a:ea typeface=""/>
+        <a:cs typeface=""/>
+        <a:font script="Jpan" typeface="游ゴシック Light"/>
+        <a:font script="Hang" typeface="맑은 고딕"/>
+        <a:font script="Hans" typeface="等线 Light"/>
+        <a:font script="Hant" typeface="新細明體"/>
+        <a:font script="Arab" typeface="Times New Roman"/>
+        <a:font script="Hebr" typeface="Times New Roman"/>
+        <a:font script="Thai" typeface="Angsana New"/>
+        <a:font script="Ethi" typeface="Nyala"/>
+        <a:font script="Beng" typeface="Vrinda"/>
+        <a:font script="Gujr" typeface="Shruti"/>
+        <a:font script="Khmr" typeface="MoolBoran"/>
+        <a:font script="Knda" typeface="Tunga"/>
+        <a:font script="Guru" typeface="Raavi"/>
+        <a:font script="Cans" typeface="Euphemia"/>
+        <a:font script="Cher" typeface="Plantagenet Cherokee"/>
+        <a:font script="Yiii" typeface="Microsoft Yi Baiti"/>
+        <a:font script="Tibt" typeface="Microsoft Himalaya"/>
+        <a:font script="Thaa" typeface="MV Boli"/>
+        <a:font script="Deva" typeface="Mangal"/>
+        <a:font script="Telu" typeface="Gautami"/>
+        <a:font script="Taml" typeface="Latha"/>
+        <a:font script="Syrc" typeface="Estrangelo Edessa"/>
+        <a:font script="Orya" typeface="Kalinga"/>
+        <a:font script="Mlym" typeface="Kartika"/>
+        <a:font script="Laoo" typeface="DokChampa"/>
+        <a:font script="Sinh" typeface="Iskoola Pota"/>
+        <a:font script="Mong" typeface="Mongolian Baiti"/>
+        <a:font script="Viet" typeface="Times New Roman"/>
+        <a:font script="Uigh" typeface="Microsoft Uighur"/>
+        <a:font script="Geor" typeface="Sylfaen"/>
+      </a:majorFont>
+      <a:minorFont>
+        <a:latin typeface="Calibri" panose="020F0502020204030204"/>
+        <a:ea typeface=""/>
+        <a:cs typeface=""/>
+        <a:font script="Jpan" typeface="游ゴシック"/>
+        <a:font script="Hang" typeface="맑은 고딕"/>
+        <a:font script="Hans" typeface="等线"/>
+        <a:font script="Hant" typeface="新細明體"/>
+        <a:font script="Arab" typeface="Arial"/>
+        <a:font script="Hebr" typeface="Arial"/>
+        <a:font script="Thai" typeface="Cordia New"/>
+        <a:font script="Ethi" typeface="Nyala"/>
+        <a:font script="Beng" typeface="Vrinda"/>
+        <a:font script="Gujr" typeface="Shruti"/>
+        <a:font script="Khmr" typeface="DaunPenh"/>
+        <a:font script="Knda" typeface="Tunga"/>
+        <a:font script="Guru" typeface="Raavi"/>
+        <a:font script="Cans" typeface="Euphemia"/>
+        <a:font script="Cher" typeface="Plantagenet Cherokee"/>
+        <a:font script="Yiii" typeface="Microsoft Yi Baiti"/>
+        <a:font script="Tibt" typeface="Microsoft Himalaya"/>
+        <a:font script="Thaa" typeface="MV Boli"/>
+        <a:font script="Deva" typeface="Mangal"/>
+        <a:font script="Telu" typeface="Gautami"/>
+        <a:font script="Taml" typeface="Latha"/>
+        <a:font script="Syrc" typeface="Estrangelo Edessa"/>
+        <a:font script="Orya" typeface="Kalinga"/>
+        <a:font script="Mlym" typeface="Kartika"/>
+        <a:font script="Laoo" typeface="DokChampa"/>
+        <a:font script="Sinh" typeface="Iskoola Pota"/>
+        <a:font script="Mong" typeface="Mongolian Baiti"/>
+        <a:font script="Viet" typeface="Arial"/>
+        <a:font script="Uigh" typeface="Microsoft Uighur"/>
+        <a:font script="Geor" typeface="Sylfaen"/>
+      </a:minorFont>
+    </a:fontScheme>
+    <a:fmtScheme name="Стандартная">
+      <a:fillStyleLst>
+        <a:solidFill>
+          <a:schemeClr val="phClr"/>
+        </a:solidFill>
+        <a:gradFill rotWithShape="1">
+          <a:gsLst>
+            <a:gs pos="0">
+              <a:schemeClr val="phClr">
+                <a:lumMod val="110000"/>
+                <a:satMod val="105000"/>
+                <a:tint val="67000"/>
+              </a:schemeClr>
+            </a:gs>
+            <a:gs pos="50000">
+              <a:schemeClr val="phClr">
+                <a:lumMod val="105000"/>
+                <a:satMod val="103000"/>
+                <a:tint val="73000"/>
+              </a:schemeClr>
+            </a:gs>
+            <a:gs pos="100000">
+              <a:schemeClr val="phClr">
+                <a:lumMod val="105000"/>
+                <a:satMod val="109000"/>
+                <a:tint val="81000"/>
+              </a:schemeClr>
+            </a:gs>
+          </a:gsLst>
+          <a:lin ang="5400000" scaled="0"/>
+        </a:gradFill>
+        <a:gradFill rotWithShape="1">
+          <a:gsLst>
+            <a:gs pos="0">
+              <a:schemeClr val="phClr">
+                <a:satMod val="103000"/>
+                <a:lumMod val="102000"/>
+                <a:tint val="94000"/>
+              </a:schemeClr>
+            </a:gs>
+            <a:gs pos="50000">
+              <a:schemeClr val="phClr">
+                <a:satMod val="110000"/>
+                <a:lumMod val="100000"/>
+                <a:shade val="100000"/>
+              </a:schemeClr>
+            </a:gs>
+            <a:gs pos="100000">
+              <a:schemeClr val="phClr">
+                <a:lumMod val="99000"/>
+                <a:satMod val="120000"/>
+                <a:shade val="78000"/>
+              </a:schemeClr>
+            </a:gs>
+          </a:gsLst>
+          <a:lin ang="5400000" scaled="0"/>
+        </a:gradFill>
+      </a:fillStyleLst>
+      <a:lnStyleLst>
+        <a:ln w="6350" cap="flat" cmpd="sng" algn="ctr">
+          <a:solidFill>
+            <a:schemeClr val="phClr"/>
+          </a:solidFill>
+          <a:prstDash val="solid"/>
+          <a:miter lim="800000"/>
+        </a:ln>
+        <a:ln w="12700" cap="flat" cmpd="sng" algn="ctr">
+          <a:solidFill>
+            <a:schemeClr val="phClr"/>
+          </a:solidFill>
+          <a:prstDash val="solid"/>
+          <a:miter lim="800000"/>
+        </a:ln>
+        <a:ln w="19050" cap="flat" cmpd="sng" algn="ctr">
+          <a:solidFill>
+            <a:schemeClr val="phClr"/>
+          </a:solidFill>
+          <a:prstDash val="solid"/>
+          <a:miter lim="800000"/>
+        </a:ln>
+      </a:lnStyleLst>
+      <a:effectStyleLst>
+        <a:effectStyle>
+          <a:effectLst/>
+        </a:effectStyle>
+        <a:effectStyle>
+          <a:effectLst/>
+        </a:effectStyle>
+        <a:effectStyle>
+          <a:effectLst>
+            <a:outerShdw blurRad="57150" dist="19050" dir="5400000" algn="ctr" rotWithShape="0">
+              <a:srgbClr val="000000">
+                <a:alpha val="63000"/>
+              </a:srgbClr>
+            </a:outerShdw>
+          </a:effectLst>
+        </a:effectStyle>
+      </a:effectStyleLst>
+      <a:bgFillStyleLst>
+        <a:solidFill>
+          <a:schemeClr val="phClr"/>
+        </a:solidFill>
+        <a:solidFill>
+          <a:schemeClr val="phClr">
+            <a:tint val="95000"/>
+            <a:satMod val="170000"/>
+          </a:schemeClr>
+        </a:solidFill>
+        <a:gradFill rotWithShape="1">
+          <a:gsLst>
+            <a:gs pos="0">
+              <a:schemeClr val="phClr">
+                <a:tint val="93000"/>
+                <a:satMod val="150000"/>
+                <a:shade val="98000"/>
+                <a:lumMod val="102000"/>
+              </a:schemeClr>
+            </a:gs>
+            <a:gs pos="50000">
+              <a:schemeClr val="phClr">
+                <a:tint val="98000"/>
+                <a:satMod val="130000"/>
+                <a:shade val="90000"/>
+                <a:lumMod val="103000"/>
+              </a:schemeClr>
+            </a:gs>
+            <a:gs pos="100000">
+              <a:schemeClr val="phClr">
+                <a:shade val="63000"/>
+                <a:satMod val="120000"/>
+              </a:schemeClr>
+            </a:gs>
+          </a:gsLst>
+          <a:lin ang="5400000" scaled="0"/>
+        </a:gradFill>
+      </a:bgFillStyleLst>
+    </a:fmtScheme>
+  </a:themeElements>
+  <a:objectDefaults/>
+  <a:extraClrSchemeLst/>
+  <a:extLst>
+    <a:ext uri="{05A4C25C-085E-4340-85A3-A5531E510DB2}">
+      <thm15:themeFamily xmlns:thm15="http://schemas.microsoft.com/office/thememl/2012/main" name="Office Theme" id="{62F939B6-93AF-4DB8-9C6B-D6C7DFDC589F}" vid="{4A3C46E8-61CC-4603-A589-7422A47A8E4A}"/>
+    </a:ext>
+  </a:extLst>
+</a:theme>
 </file>
--- a/Презентация.pptx
+++ b/Презентация.pptx
@@ -5,7 +5,7 @@
     <p:sldMasterId id="2147484055" r:id="rId1"/>
   </p:sldMasterIdLst>
   <p:notesMasterIdLst>
-    <p:notesMasterId r:id="rId21"/>
+    <p:notesMasterId r:id="rId23"/>
   </p:notesMasterIdLst>
   <p:sldIdLst>
     <p:sldId id="256" r:id="rId2"/>
@@ -24,9 +24,11 @@
     <p:sldId id="273" r:id="rId15"/>
     <p:sldId id="269" r:id="rId16"/>
     <p:sldId id="272" r:id="rId17"/>
-    <p:sldId id="274" r:id="rId18"/>
-    <p:sldId id="275" r:id="rId19"/>
-    <p:sldId id="276" r:id="rId20"/>
+    <p:sldId id="278" r:id="rId18"/>
+    <p:sldId id="274" r:id="rId19"/>
+    <p:sldId id="275" r:id="rId20"/>
+    <p:sldId id="276" r:id="rId21"/>
+    <p:sldId id="277" r:id="rId22"/>
   </p:sldIdLst>
   <p:sldSz cx="9144000" cy="6858000" type="screen4x3"/>
   <p:notesSz cx="6858000" cy="9144000"/>
@@ -17008,11 +17010,7 @@
             </a:r>
             <a:r>
               <a:rPr lang="ru-RU" altLang="ru-RU" sz="1350" b="1" dirty="0"/>
-              <a:t>ИН                     </a:t>
-            </a:r>
-            <a:r>
-              <a:rPr lang="ru-RU" altLang="ru-RU" sz="1350" b="1" dirty="0"/>
-              <a:t> </a:t>
+              <a:t>ИН                      </a:t>
             </a:r>
             <a:r>
               <a:rPr lang="ru-RU" altLang="ru-RU" sz="1350" b="1" dirty="0" smtClean="0"/>
@@ -18078,20 +18076,7 @@
                   </a:outerShdw>
                 </a:effectLst>
               </a:rPr>
-              <a:t>ыла </a:t>
-            </a:r>
-            <a:r>
-              <a:rPr lang="ru-RU" sz="3300" dirty="0" smtClean="0">
-                <a:ln w="0"/>
-                <a:effectLst>
-                  <a:outerShdw blurRad="38100" dist="19050" dir="2700000" algn="tl" rotWithShape="0">
-                    <a:schemeClr val="dk1">
-                      <a:alpha val="40000"/>
-                    </a:schemeClr>
-                  </a:outerShdw>
-                </a:effectLst>
-              </a:rPr>
-              <a:t>выбрана клиент-серверная </a:t>
+              <a:t>ыла выбрана клиент-серверная </a:t>
             </a:r>
           </a:p>
           <a:p>
@@ -18176,6 +18161,13 @@
   <p:clrMapOvr>
     <a:masterClrMapping/>
   </p:clrMapOvr>
+  <p:timing>
+    <p:tnLst>
+      <p:par>
+        <p:cTn id="1" dur="indefinite" restart="never" nodeType="tmRoot"/>
+      </p:par>
+    </p:tnLst>
+  </p:timing>
 </p:sld>
 </file>
 
@@ -18330,11 +18322,7 @@
             </a:pPr>
             <a:r>
               <a:rPr lang="ru-RU" dirty="0" smtClean="0"/>
-              <a:t>Высокая </a:t>
-            </a:r>
-            <a:r>
-              <a:rPr lang="ru-RU" dirty="0" smtClean="0"/>
-              <a:t>скорость исполнения</a:t>
+              <a:t>Высокая скорость исполнения</a:t>
             </a:r>
           </a:p>
           <a:p>
@@ -18556,11 +18544,7 @@
             </a:pPr>
             <a:r>
               <a:rPr lang="ru-RU" dirty="0" smtClean="0"/>
-              <a:t>Интерактивная </a:t>
-            </a:r>
-            <a:r>
-              <a:rPr lang="ru-RU" dirty="0" smtClean="0"/>
-              <a:t>разработка</a:t>
+              <a:t>Интерактивная разработка</a:t>
             </a:r>
           </a:p>
           <a:p>
@@ -18819,6 +18803,13 @@
   <p:clrMapOvr>
     <a:masterClrMapping/>
   </p:clrMapOvr>
+  <p:timing>
+    <p:tnLst>
+      <p:par>
+        <p:cTn id="1" dur="indefinite" restart="never" nodeType="tmRoot"/>
+      </p:par>
+    </p:tnLst>
+  </p:timing>
 </p:sld>
 </file>
 
@@ -18941,6 +18932,13 @@
   <p:clrMapOvr>
     <a:masterClrMapping/>
   </p:clrMapOvr>
+  <p:timing>
+    <p:tnLst>
+      <p:par>
+        <p:cTn id="1" dur="indefinite" restart="never" nodeType="tmRoot"/>
+      </p:par>
+    </p:tnLst>
+  </p:timing>
 </p:sld>
 </file>
 
@@ -19072,10 +19070,243 @@
   <p:clrMapOvr>
     <a:masterClrMapping/>
   </p:clrMapOvr>
+  <p:timing>
+    <p:tnLst>
+      <p:par>
+        <p:cTn id="1" dur="indefinite" restart="never" nodeType="tmRoot"/>
+      </p:par>
+    </p:tnLst>
+  </p:timing>
 </p:sld>
 </file>
 
 <file path=ppt/slides/slide17.xml><?xml version="1.0" encoding="utf-8"?>
+<p:sld xmlns:a="http://schemas.openxmlformats.org/drawingml/2006/main" xmlns:r="http://schemas.openxmlformats.org/officeDocument/2006/relationships" xmlns:p="http://schemas.openxmlformats.org/presentationml/2006/main">
+  <p:cSld>
+    <p:spTree>
+      <p:nvGrpSpPr>
+        <p:cNvPr id="1" name=""/>
+        <p:cNvGrpSpPr/>
+        <p:nvPr/>
+      </p:nvGrpSpPr>
+      <p:grpSpPr>
+        <a:xfrm>
+          <a:off x="0" y="0"/>
+          <a:ext cx="0" cy="0"/>
+          <a:chOff x="0" y="0"/>
+          <a:chExt cx="0" cy="0"/>
+        </a:xfrm>
+      </p:grpSpPr>
+      <p:sp>
+        <p:nvSpPr>
+          <p:cNvPr id="2" name="Прямоугольник 1"/>
+          <p:cNvSpPr/>
+          <p:nvPr/>
+        </p:nvSpPr>
+        <p:spPr>
+          <a:xfrm>
+            <a:off x="1088215" y="162962"/>
+            <a:ext cx="6804620" cy="1077218"/>
+          </a:xfrm>
+          <a:prstGeom prst="rect">
+            <a:avLst/>
+          </a:prstGeom>
+          <a:noFill/>
+        </p:spPr>
+        <p:txBody>
+          <a:bodyPr wrap="none" lIns="91440" tIns="45720" rIns="91440" bIns="45720">
+            <a:spAutoFit/>
+          </a:bodyPr>
+          <a:lstStyle/>
+          <a:p>
+            <a:pPr algn="ctr"/>
+            <a:r>
+              <a:rPr lang="ru-RU" sz="3200" b="0" cap="none" spc="0" dirty="0" smtClean="0">
+                <a:ln w="0"/>
+                <a:solidFill>
+                  <a:schemeClr val="tx1"/>
+                </a:solidFill>
+                <a:effectLst>
+                  <a:outerShdw blurRad="38100" dist="19050" dir="2700000" algn="tl" rotWithShape="0">
+                    <a:schemeClr val="dk1">
+                      <a:alpha val="40000"/>
+                    </a:schemeClr>
+                  </a:outerShdw>
+                </a:effectLst>
+              </a:rPr>
+              <a:t>Формат</a:t>
+            </a:r>
+            <a:r>
+              <a:rPr lang="en-US" sz="3200" b="0" cap="none" spc="0" dirty="0" smtClean="0">
+                <a:ln w="0"/>
+                <a:solidFill>
+                  <a:schemeClr val="tx1"/>
+                </a:solidFill>
+                <a:effectLst>
+                  <a:outerShdw blurRad="38100" dist="19050" dir="2700000" algn="tl" rotWithShape="0">
+                    <a:schemeClr val="dk1">
+                      <a:alpha val="40000"/>
+                    </a:schemeClr>
+                  </a:outerShdw>
+                </a:effectLst>
+              </a:rPr>
+              <a:t> </a:t>
+            </a:r>
+            <a:r>
+              <a:rPr lang="ru-RU" sz="3200" b="0" cap="none" spc="0" dirty="0" smtClean="0">
+                <a:ln w="0"/>
+                <a:solidFill>
+                  <a:schemeClr val="tx1"/>
+                </a:solidFill>
+                <a:effectLst>
+                  <a:outerShdw blurRad="38100" dist="19050" dir="2700000" algn="tl" rotWithShape="0">
+                    <a:schemeClr val="dk1">
+                      <a:alpha val="40000"/>
+                    </a:schemeClr>
+                  </a:outerShdw>
+                </a:effectLst>
+              </a:rPr>
+              <a:t>хранения и передачи данных</a:t>
+            </a:r>
+          </a:p>
+          <a:p>
+            <a:pPr algn="ctr"/>
+            <a:r>
+              <a:rPr lang="ru-RU" sz="3200" dirty="0">
+                <a:ln w="0"/>
+                <a:effectLst>
+                  <a:outerShdw blurRad="38100" dist="19050" dir="2700000" algn="tl" rotWithShape="0">
+                    <a:schemeClr val="dk1">
+                      <a:alpha val="40000"/>
+                    </a:schemeClr>
+                  </a:outerShdw>
+                </a:effectLst>
+              </a:rPr>
+              <a:t>м</a:t>
+            </a:r>
+            <a:r>
+              <a:rPr lang="ru-RU" sz="3200" dirty="0" smtClean="0">
+                <a:ln w="0"/>
+                <a:effectLst>
+                  <a:outerShdw blurRad="38100" dist="19050" dir="2700000" algn="tl" rotWithShape="0">
+                    <a:schemeClr val="dk1">
+                      <a:alpha val="40000"/>
+                    </a:schemeClr>
+                  </a:outerShdw>
+                </a:effectLst>
+              </a:rPr>
+              <a:t>ежду клиентом и </a:t>
+            </a:r>
+            <a:r>
+              <a:rPr lang="ru-RU" sz="3200" b="0" cap="none" spc="0" dirty="0" smtClean="0">
+                <a:ln w="0"/>
+                <a:solidFill>
+                  <a:schemeClr val="tx1"/>
+                </a:solidFill>
+                <a:effectLst>
+                  <a:outerShdw blurRad="38100" dist="19050" dir="2700000" algn="tl" rotWithShape="0">
+                    <a:schemeClr val="dk1">
+                      <a:alpha val="40000"/>
+                    </a:schemeClr>
+                  </a:outerShdw>
+                </a:effectLst>
+              </a:rPr>
+              <a:t>сервером</a:t>
+            </a:r>
+            <a:endParaRPr lang="ru-RU" sz="3200" b="0" cap="none" spc="0" dirty="0">
+              <a:ln w="0"/>
+              <a:solidFill>
+                <a:schemeClr val="tx1"/>
+              </a:solidFill>
+              <a:effectLst>
+                <a:outerShdw blurRad="38100" dist="19050" dir="2700000" algn="tl" rotWithShape="0">
+                  <a:schemeClr val="dk1">
+                    <a:alpha val="40000"/>
+                  </a:schemeClr>
+                </a:outerShdw>
+              </a:effectLst>
+            </a:endParaRPr>
+          </a:p>
+        </p:txBody>
+      </p:sp>
+      <p:pic>
+        <p:nvPicPr>
+          <p:cNvPr id="1026" name="Picture 2" descr="Image result for Json"/>
+          <p:cNvPicPr>
+            <a:picLocks noChangeAspect="1" noChangeArrowheads="1"/>
+          </p:cNvPicPr>
+          <p:nvPr/>
+        </p:nvPicPr>
+        <p:blipFill>
+          <a:blip r:embed="rId2" cstate="print">
+            <a:extLst>
+              <a:ext uri="{28A0092B-C50C-407E-A947-70E740481C1C}">
+                <a14:useLocalDpi xmlns:a14="http://schemas.microsoft.com/office/drawing/2010/main" val="0"/>
+              </a:ext>
+            </a:extLst>
+          </a:blip>
+          <a:srcRect/>
+          <a:stretch>
+            <a:fillRect/>
+          </a:stretch>
+        </p:blipFill>
+        <p:spPr bwMode="auto">
+          <a:xfrm>
+            <a:off x="0" y="2929157"/>
+            <a:ext cx="2756534" cy="1516094"/>
+          </a:xfrm>
+          <a:prstGeom prst="rect">
+            <a:avLst/>
+          </a:prstGeom>
+          <a:noFill/>
+          <a:extLst>
+            <a:ext uri="{909E8E84-426E-40DD-AFC4-6F175D3DCCD1}">
+              <a14:hiddenFill xmlns:a14="http://schemas.microsoft.com/office/drawing/2010/main">
+                <a:solidFill>
+                  <a:srgbClr val="FFFFFF"/>
+                </a:solidFill>
+              </a14:hiddenFill>
+            </a:ext>
+          </a:extLst>
+        </p:spPr>
+      </p:pic>
+      <p:pic>
+        <p:nvPicPr>
+          <p:cNvPr id="3" name="Рисунок 2"/>
+          <p:cNvPicPr>
+            <a:picLocks noChangeAspect="1"/>
+          </p:cNvPicPr>
+          <p:nvPr/>
+        </p:nvPicPr>
+        <p:blipFill rotWithShape="1">
+          <a:blip r:embed="rId3"/>
+          <a:srcRect l="9286" t="14233" r="33126" b="43551"/>
+          <a:stretch/>
+        </p:blipFill>
+        <p:spPr>
+          <a:xfrm>
+            <a:off x="2408222" y="2290527"/>
+            <a:ext cx="6735778" cy="3096285"/>
+          </a:xfrm>
+          <a:prstGeom prst="rect">
+            <a:avLst/>
+          </a:prstGeom>
+        </p:spPr>
+      </p:pic>
+    </p:spTree>
+    <p:extLst>
+      <p:ext uri="{BB962C8B-B14F-4D97-AF65-F5344CB8AC3E}">
+        <p14:creationId xmlns:p14="http://schemas.microsoft.com/office/powerpoint/2010/main" val="1523883287"/>
+      </p:ext>
+    </p:extLst>
+  </p:cSld>
+  <p:clrMapOvr>
+    <a:masterClrMapping/>
+  </p:clrMapOvr>
+</p:sld>
+</file>
+
+<file path=ppt/slides/slide18.xml><?xml version="1.0" encoding="utf-8"?>
 <p:sld xmlns:a="http://schemas.openxmlformats.org/drawingml/2006/main" xmlns:r="http://schemas.openxmlformats.org/officeDocument/2006/relationships" xmlns:p="http://schemas.openxmlformats.org/presentationml/2006/main">
   <p:cSld>
     <p:spTree>
@@ -19187,10 +19418,17 @@
   <p:clrMapOvr>
     <a:masterClrMapping/>
   </p:clrMapOvr>
+  <p:timing>
+    <p:tnLst>
+      <p:par>
+        <p:cTn id="1" dur="indefinite" restart="never" nodeType="tmRoot"/>
+      </p:par>
+    </p:tnLst>
+  </p:timing>
 </p:sld>
 </file>
 
-<file path=ppt/slides/slide18.xml><?xml version="1.0" encoding="utf-8"?>
+<file path=ppt/slides/slide19.xml><?xml version="1.0" encoding="utf-8"?>
 <p:sld xmlns:a="http://schemas.openxmlformats.org/drawingml/2006/main" xmlns:r="http://schemas.openxmlformats.org/officeDocument/2006/relationships" xmlns:p="http://schemas.openxmlformats.org/presentationml/2006/main">
   <p:cSld>
     <p:spTree>
@@ -19315,10 +19553,162 @@
   <p:clrMapOvr>
     <a:masterClrMapping/>
   </p:clrMapOvr>
+  <p:timing>
+    <p:tnLst>
+      <p:par>
+        <p:cTn id="1" dur="indefinite" restart="never" nodeType="tmRoot"/>
+      </p:par>
+    </p:tnLst>
+  </p:timing>
 </p:sld>
 </file>
 
-<file path=ppt/slides/slide19.xml><?xml version="1.0" encoding="utf-8"?>
+<file path=ppt/slides/slide2.xml><?xml version="1.0" encoding="utf-8"?>
+<p:sld xmlns:a="http://schemas.openxmlformats.org/drawingml/2006/main" xmlns:r="http://schemas.openxmlformats.org/officeDocument/2006/relationships" xmlns:p="http://schemas.openxmlformats.org/presentationml/2006/main">
+  <p:cSld>
+    <p:spTree>
+      <p:nvGrpSpPr>
+        <p:cNvPr id="1" name=""/>
+        <p:cNvGrpSpPr/>
+        <p:nvPr/>
+      </p:nvGrpSpPr>
+      <p:grpSpPr>
+        <a:xfrm>
+          <a:off x="0" y="0"/>
+          <a:ext cx="0" cy="0"/>
+          <a:chOff x="0" y="0"/>
+          <a:chExt cx="0" cy="0"/>
+        </a:xfrm>
+      </p:grpSpPr>
+      <p:sp>
+        <p:nvSpPr>
+          <p:cNvPr id="2" name="Прямоугольник 1"/>
+          <p:cNvSpPr/>
+          <p:nvPr/>
+        </p:nvSpPr>
+        <p:spPr>
+          <a:xfrm>
+            <a:off x="644513" y="857250"/>
+            <a:ext cx="6296660" cy="692497"/>
+          </a:xfrm>
+          <a:prstGeom prst="rect">
+            <a:avLst/>
+          </a:prstGeom>
+          <a:noFill/>
+        </p:spPr>
+        <p:txBody>
+          <a:bodyPr wrap="none" lIns="68580" tIns="34290" rIns="68580" bIns="34290">
+            <a:spAutoFit/>
+          </a:bodyPr>
+          <a:lstStyle/>
+          <a:p>
+            <a:pPr algn="ctr"/>
+            <a:r>
+              <a:rPr lang="ru-RU" sz="4050" dirty="0">
+                <a:ln w="0"/>
+                <a:effectLst>
+                  <a:outerShdw blurRad="38100" dist="19050" dir="2700000" algn="tl" rotWithShape="0">
+                    <a:schemeClr val="dk1">
+                      <a:alpha val="40000"/>
+                    </a:schemeClr>
+                  </a:outerShdw>
+                </a:effectLst>
+              </a:rPr>
+              <a:t>Актуальность исследования</a:t>
+            </a:r>
+          </a:p>
+        </p:txBody>
+      </p:sp>
+      <p:sp>
+        <p:nvSpPr>
+          <p:cNvPr id="3" name="TextBox 2"/>
+          <p:cNvSpPr txBox="1"/>
+          <p:nvPr/>
+        </p:nvSpPr>
+        <p:spPr>
+          <a:xfrm>
+            <a:off x="640682" y="1786689"/>
+            <a:ext cx="8017544" cy="4247317"/>
+          </a:xfrm>
+          <a:prstGeom prst="rect">
+            <a:avLst/>
+          </a:prstGeom>
+          <a:noFill/>
+        </p:spPr>
+        <p:txBody>
+          <a:bodyPr wrap="square" rtlCol="0">
+            <a:spAutoFit/>
+          </a:bodyPr>
+          <a:lstStyle/>
+          <a:p>
+            <a:pPr indent="400050" algn="just"/>
+            <a:r>
+              <a:rPr lang="ru-RU" dirty="0"/>
+              <a:t>Быстрое развитие локальных вычислительных сетей (ЛВС) сопровождается увеличением не только количества подключаемых компьютеров, но и другого сетевого оборудования, необходимого для нормальной работы ЛВС. </a:t>
+            </a:r>
+          </a:p>
+          <a:p>
+            <a:pPr indent="400050" algn="just"/>
+            <a:r>
+              <a:rPr lang="ru-RU" dirty="0"/>
+              <a:t>С увеличением количества сетевых устройств все очевиднее встает вопрос о необходимости использования средств мониторинга, позволяющих быстро обнаруживать и реагировать на сбои и поломки как серверного так и клиентского оборудования.</a:t>
+            </a:r>
+          </a:p>
+          <a:p>
+            <a:pPr indent="400050" algn="just"/>
+            <a:r>
+              <a:rPr lang="ru-RU" dirty="0"/>
+              <a:t>К сожалению большинство открытых систем мониторинга слишком сложны в настройке и эксплуатации. Другие предоставляют огромное количество возможностей, за которые приходится платить высокими системными требованиями. Третьи имеют очень высокую стоимость.</a:t>
+            </a:r>
+          </a:p>
+          <a:p>
+            <a:pPr indent="400050" algn="just"/>
+            <a:endParaRPr lang="ru-RU" dirty="0"/>
+          </a:p>
+          <a:p>
+            <a:pPr indent="400050" algn="just"/>
+            <a:r>
+              <a:rPr lang="ru-RU" dirty="0"/>
+              <a:t>	</a:t>
+            </a:r>
+          </a:p>
+          <a:p>
+            <a:pPr algn="just"/>
+            <a:r>
+              <a:rPr lang="ru-RU" dirty="0"/>
+              <a:t>	</a:t>
+            </a:r>
+          </a:p>
+          <a:p>
+            <a:pPr algn="just"/>
+            <a:r>
+              <a:rPr lang="ru-RU" dirty="0"/>
+              <a:t>	</a:t>
+            </a:r>
+          </a:p>
+        </p:txBody>
+      </p:sp>
+    </p:spTree>
+    <p:extLst>
+      <p:ext uri="{BB962C8B-B14F-4D97-AF65-F5344CB8AC3E}">
+        <p14:creationId xmlns:p14="http://schemas.microsoft.com/office/powerpoint/2010/main" val="175911893"/>
+      </p:ext>
+    </p:extLst>
+  </p:cSld>
+  <p:clrMapOvr>
+    <a:masterClrMapping/>
+  </p:clrMapOvr>
+  <p:timing>
+    <p:tnLst>
+      <p:par>
+        <p:cTn id="1" dur="indefinite" restart="never" nodeType="tmRoot"/>
+      </p:par>
+    </p:tnLst>
+  </p:timing>
+</p:sld>
+</file>
+
+<file path=ppt/slides/slide20.xml><?xml version="1.0" encoding="utf-8"?>
 <p:sld xmlns:a="http://schemas.openxmlformats.org/drawingml/2006/main" xmlns:r="http://schemas.openxmlformats.org/officeDocument/2006/relationships" xmlns:p="http://schemas.openxmlformats.org/presentationml/2006/main">
   <p:cSld>
     <p:spTree>
@@ -19451,10 +19841,17 @@
   <p:clrMapOvr>
     <a:masterClrMapping/>
   </p:clrMapOvr>
+  <p:timing>
+    <p:tnLst>
+      <p:par>
+        <p:cTn id="1" dur="indefinite" restart="never" nodeType="tmRoot"/>
+      </p:par>
+    </p:tnLst>
+  </p:timing>
 </p:sld>
 </file>
 
-<file path=ppt/slides/slide2.xml><?xml version="1.0" encoding="utf-8"?>
+<file path=ppt/slides/slide21.xml><?xml version="1.0" encoding="utf-8"?>
 <p:sld xmlns:a="http://schemas.openxmlformats.org/drawingml/2006/main" xmlns:r="http://schemas.openxmlformats.org/officeDocument/2006/relationships" xmlns:p="http://schemas.openxmlformats.org/presentationml/2006/main">
   <p:cSld>
     <p:spTree>
@@ -19479,8 +19876,8 @@
         </p:nvSpPr>
         <p:spPr>
           <a:xfrm>
-            <a:off x="644513" y="857250"/>
-            <a:ext cx="6296660" cy="692497"/>
+            <a:off x="410281" y="287509"/>
+            <a:ext cx="3778599" cy="923330"/>
           </a:xfrm>
           <a:prstGeom prst="rect">
             <a:avLst/>
@@ -19488,15 +19885,18 @@
           <a:noFill/>
         </p:spPr>
         <p:txBody>
-          <a:bodyPr wrap="none" lIns="68580" tIns="34290" rIns="68580" bIns="34290">
+          <a:bodyPr wrap="none" lIns="91440" tIns="45720" rIns="91440" bIns="45720">
             <a:spAutoFit/>
           </a:bodyPr>
           <a:lstStyle/>
           <a:p>
             <a:pPr algn="ctr"/>
             <a:r>
-              <a:rPr lang="ru-RU" sz="4050" dirty="0">
+              <a:rPr lang="ru-RU" sz="5400" b="0" cap="none" spc="0" dirty="0" smtClean="0">
                 <a:ln w="0"/>
+                <a:solidFill>
+                  <a:schemeClr val="tx1"/>
+                </a:solidFill>
                 <a:effectLst>
                   <a:outerShdw blurRad="38100" dist="19050" dir="2700000" algn="tl" rotWithShape="0">
                     <a:schemeClr val="dk1">
@@ -19505,76 +19905,7 @@
                   </a:outerShdw>
                 </a:effectLst>
               </a:rPr>
-              <a:t>Актуальность исследования</a:t>
-            </a:r>
-          </a:p>
-        </p:txBody>
-      </p:sp>
-      <p:sp>
-        <p:nvSpPr>
-          <p:cNvPr id="3" name="TextBox 2"/>
-          <p:cNvSpPr txBox="1"/>
-          <p:nvPr/>
-        </p:nvSpPr>
-        <p:spPr>
-          <a:xfrm>
-            <a:off x="640682" y="1786689"/>
-            <a:ext cx="8017544" cy="4247317"/>
-          </a:xfrm>
-          <a:prstGeom prst="rect">
-            <a:avLst/>
-          </a:prstGeom>
-          <a:noFill/>
-        </p:spPr>
-        <p:txBody>
-          <a:bodyPr wrap="square" rtlCol="0">
-            <a:spAutoFit/>
-          </a:bodyPr>
-          <a:lstStyle/>
-          <a:p>
-            <a:pPr indent="400050" algn="just"/>
-            <a:r>
-              <a:rPr lang="ru-RU" dirty="0"/>
-              <a:t>Быстрое развитие локальных вычислительных сетей (ЛВС) сопровождается увеличением не только количества подключаемых компьютеров, но и другого сетевого оборудования, необходимого для нормальной работы ЛВС. </a:t>
-            </a:r>
-          </a:p>
-          <a:p>
-            <a:pPr indent="400050" algn="just"/>
-            <a:r>
-              <a:rPr lang="ru-RU" dirty="0"/>
-              <a:t>С увеличением количества сетевых устройств все очевиднее встает вопрос о необходимости использования средств мониторинга, позволяющих быстро обнаруживать и реагировать на сбои и поломки как серверного так и клиентского оборудования.</a:t>
-            </a:r>
-          </a:p>
-          <a:p>
-            <a:pPr indent="400050" algn="just"/>
-            <a:r>
-              <a:rPr lang="ru-RU" dirty="0"/>
-              <a:t>К сожалению большинство открытых систем мониторинга слишком сложны в настройке и эксплуатации. Другие предоставляют огромное количество возможностей, за которые приходится платить высокими системными требованиями. Третьи имеют очень высокую стоимость.</a:t>
-            </a:r>
-          </a:p>
-          <a:p>
-            <a:pPr indent="400050" algn="just"/>
-            <a:endParaRPr lang="ru-RU" dirty="0"/>
-          </a:p>
-          <a:p>
-            <a:pPr indent="400050" algn="just"/>
-            <a:r>
-              <a:rPr lang="ru-RU" dirty="0"/>
-              <a:t>	</a:t>
-            </a:r>
-          </a:p>
-          <a:p>
-            <a:pPr algn="just"/>
-            <a:r>
-              <a:rPr lang="ru-RU" dirty="0"/>
-              <a:t>	</a:t>
-            </a:r>
-          </a:p>
-          <a:p>
-            <a:pPr algn="just"/>
-            <a:r>
-              <a:rPr lang="ru-RU" dirty="0"/>
-              <a:t>	</a:t>
+              <a:t>Заключение</a:t>
             </a:r>
           </a:p>
         </p:txBody>
@@ -19582,7 +19913,7 @@
     </p:spTree>
     <p:extLst>
       <p:ext uri="{BB962C8B-B14F-4D97-AF65-F5344CB8AC3E}">
-        <p14:creationId xmlns:p14="http://schemas.microsoft.com/office/powerpoint/2010/main" val="175911893"/>
+        <p14:creationId xmlns:p14="http://schemas.microsoft.com/office/powerpoint/2010/main" val="4048754091"/>
       </p:ext>
     </p:extLst>
   </p:cSld>
@@ -20865,30 +21196,6 @@
       </p:grpSpPr>
       <p:pic>
         <p:nvPicPr>
-          <p:cNvPr id="4" name="Рисунок 3"/>
-          <p:cNvPicPr>
-            <a:picLocks noChangeAspect="1"/>
-          </p:cNvPicPr>
-          <p:nvPr/>
-        </p:nvPicPr>
-        <p:blipFill>
-          <a:blip r:embed="rId2"/>
-          <a:stretch>
-            <a:fillRect/>
-          </a:stretch>
-        </p:blipFill>
-        <p:spPr>
-          <a:xfrm>
-            <a:off x="422595" y="0"/>
-            <a:ext cx="8474174" cy="1865538"/>
-          </a:xfrm>
-          <a:prstGeom prst="rect">
-            <a:avLst/>
-          </a:prstGeom>
-        </p:spPr>
-      </p:pic>
-      <p:pic>
-        <p:nvPicPr>
           <p:cNvPr id="5" name="Picture 7"/>
           <p:cNvPicPr>
             <a:picLocks noChangeAspect="1" noChangeArrowheads="1"/>
@@ -20896,7 +21203,7 @@
           <p:nvPr/>
         </p:nvPicPr>
         <p:blipFill>
-          <a:blip r:embed="rId3">
+          <a:blip r:embed="rId2">
             <a:extLst>
               <a:ext uri="{28A0092B-C50C-407E-A947-70E740481C1C}">
                 <a14:useLocalDpi xmlns:a14="http://schemas.microsoft.com/office/drawing/2010/main" val="0"/>
@@ -20910,7 +21217,7 @@
         </p:blipFill>
         <p:spPr bwMode="auto">
           <a:xfrm>
-            <a:off x="2460603" y="1468633"/>
+            <a:off x="2424389" y="1704023"/>
             <a:ext cx="4051300" cy="4829175"/>
           </a:xfrm>
           <a:prstGeom prst="rect">
@@ -20955,6 +21262,77 @@
           </a:extLst>
         </p:spPr>
       </p:pic>
+      <p:sp>
+        <p:nvSpPr>
+          <p:cNvPr id="2" name="Прямоугольник 1"/>
+          <p:cNvSpPr/>
+          <p:nvPr/>
+        </p:nvSpPr>
+        <p:spPr>
+          <a:xfrm>
+            <a:off x="560585" y="0"/>
+            <a:ext cx="8113375" cy="1754326"/>
+          </a:xfrm>
+          <a:prstGeom prst="rect">
+            <a:avLst/>
+          </a:prstGeom>
+          <a:noFill/>
+        </p:spPr>
+        <p:txBody>
+          <a:bodyPr wrap="none" lIns="91440" tIns="45720" rIns="91440" bIns="45720">
+            <a:spAutoFit/>
+          </a:bodyPr>
+          <a:lstStyle/>
+          <a:p>
+            <a:pPr algn="ctr"/>
+            <a:r>
+              <a:rPr lang="ru-RU" sz="5400" dirty="0" smtClean="0">
+                <a:ln w="0"/>
+                <a:effectLst>
+                  <a:outerShdw blurRad="38100" dist="19050" dir="2700000" algn="tl" rotWithShape="0">
+                    <a:schemeClr val="dk1">
+                      <a:alpha val="40000"/>
+                    </a:schemeClr>
+                  </a:outerShdw>
+                </a:effectLst>
+              </a:rPr>
+              <a:t>Логическая топология сети</a:t>
+            </a:r>
+          </a:p>
+          <a:p>
+            <a:pPr algn="ctr"/>
+            <a:r>
+              <a:rPr lang="ru-RU" sz="5400" b="0" cap="none" spc="0" dirty="0" smtClean="0">
+                <a:ln w="0"/>
+                <a:solidFill>
+                  <a:schemeClr val="tx1"/>
+                </a:solidFill>
+                <a:effectLst>
+                  <a:outerShdw blurRad="38100" dist="19050" dir="2700000" algn="tl" rotWithShape="0">
+                    <a:schemeClr val="dk1">
+                      <a:alpha val="40000"/>
+                    </a:schemeClr>
+                  </a:outerShdw>
+                </a:effectLst>
+              </a:rPr>
+              <a:t>ФГБОУ «МДЦ «Артек»</a:t>
+            </a:r>
+            <a:endParaRPr lang="ru-RU" sz="5400" b="0" cap="none" spc="0" dirty="0">
+              <a:ln w="0"/>
+              <a:solidFill>
+                <a:schemeClr val="tx1"/>
+              </a:solidFill>
+              <a:effectLst>
+                <a:outerShdw blurRad="38100" dist="19050" dir="2700000" algn="tl" rotWithShape="0">
+                  <a:schemeClr val="dk1">
+                    <a:alpha val="40000"/>
+                  </a:schemeClr>
+                </a:outerShdw>
+              </a:effectLst>
+            </a:endParaRPr>
+          </a:p>
+        </p:txBody>
+      </p:sp>
     </p:spTree>
     <p:extLst>
       <p:ext uri="{BB962C8B-B14F-4D97-AF65-F5344CB8AC3E}">

--- a/Презентация.pptx
+++ b/Презентация.pptx
@@ -228,7 +228,7 @@
           <a:p>
             <a:fld id="{FF10816E-DEB5-4081-AB96-BB1DB46C414D}" type="datetimeFigureOut">
               <a:rPr lang="ru-RU" smtClean="0"/>
-              <a:t>30.11.2018</a:t>
+              <a:t>02.12.2018</a:t>
             </a:fld>
             <a:endParaRPr lang="ru-RU"/>
           </a:p>
@@ -7213,7 +7213,7 @@
           <a:p>
             <a:fld id="{5E5C5582-D9B6-4415-B102-8236DEA01994}" type="datetimeFigureOut">
               <a:rPr lang="ru-RU" smtClean="0"/>
-              <a:t>30.11.2018</a:t>
+              <a:t>02.12.2018</a:t>
             </a:fld>
             <a:endParaRPr lang="ru-RU"/>
           </a:p>
@@ -7420,7 +7420,7 @@
           <a:p>
             <a:fld id="{5E5C5582-D9B6-4415-B102-8236DEA01994}" type="datetimeFigureOut">
               <a:rPr lang="ru-RU" smtClean="0"/>
-              <a:t>30.11.2018</a:t>
+              <a:t>02.12.2018</a:t>
             </a:fld>
             <a:endParaRPr lang="ru-RU"/>
           </a:p>
@@ -7600,7 +7600,7 @@
           <a:p>
             <a:fld id="{5E5C5582-D9B6-4415-B102-8236DEA01994}" type="datetimeFigureOut">
               <a:rPr lang="ru-RU" smtClean="0"/>
-              <a:t>30.11.2018</a:t>
+              <a:t>02.12.2018</a:t>
             </a:fld>
             <a:endParaRPr lang="ru-RU"/>
           </a:p>
@@ -7805,7 +7805,7 @@
           <a:p>
             <a:fld id="{5E5C5582-D9B6-4415-B102-8236DEA01994}" type="datetimeFigureOut">
               <a:rPr lang="ru-RU" smtClean="0"/>
-              <a:t>30.11.2018</a:t>
+              <a:t>02.12.2018</a:t>
             </a:fld>
             <a:endParaRPr lang="ru-RU"/>
           </a:p>
@@ -14543,7 +14543,7 @@
           <a:p>
             <a:fld id="{5E5C5582-D9B6-4415-B102-8236DEA01994}" type="datetimeFigureOut">
               <a:rPr lang="ru-RU" smtClean="0"/>
-              <a:t>30.11.2018</a:t>
+              <a:t>02.12.2018</a:t>
             </a:fld>
             <a:endParaRPr lang="ru-RU"/>
           </a:p>
@@ -14817,7 +14817,7 @@
           <a:p>
             <a:fld id="{5E5C5582-D9B6-4415-B102-8236DEA01994}" type="datetimeFigureOut">
               <a:rPr lang="ru-RU" smtClean="0"/>
-              <a:t>30.11.2018</a:t>
+              <a:t>02.12.2018</a:t>
             </a:fld>
             <a:endParaRPr lang="ru-RU"/>
           </a:p>
@@ -15220,7 +15220,7 @@
           <a:p>
             <a:fld id="{5E5C5582-D9B6-4415-B102-8236DEA01994}" type="datetimeFigureOut">
               <a:rPr lang="ru-RU" smtClean="0"/>
-              <a:t>30.11.2018</a:t>
+              <a:t>02.12.2018</a:t>
             </a:fld>
             <a:endParaRPr lang="ru-RU"/>
           </a:p>
@@ -15338,7 +15338,7 @@
           <a:p>
             <a:fld id="{5E5C5582-D9B6-4415-B102-8236DEA01994}" type="datetimeFigureOut">
               <a:rPr lang="ru-RU" smtClean="0"/>
-              <a:t>30.11.2018</a:t>
+              <a:t>02.12.2018</a:t>
             </a:fld>
             <a:endParaRPr lang="ru-RU"/>
           </a:p>
@@ -15433,7 +15433,7 @@
           <a:p>
             <a:fld id="{5E5C5582-D9B6-4415-B102-8236DEA01994}" type="datetimeFigureOut">
               <a:rPr lang="ru-RU" smtClean="0"/>
-              <a:t>30.11.2018</a:t>
+              <a:t>02.12.2018</a:t>
             </a:fld>
             <a:endParaRPr lang="ru-RU"/>
           </a:p>
@@ -15725,7 +15725,7 @@
           <a:p>
             <a:fld id="{5E5C5582-D9B6-4415-B102-8236DEA01994}" type="datetimeFigureOut">
               <a:rPr lang="ru-RU" smtClean="0"/>
-              <a:t>30.11.2018</a:t>
+              <a:t>02.12.2018</a:t>
             </a:fld>
             <a:endParaRPr lang="ru-RU"/>
           </a:p>
@@ -16005,7 +16005,7 @@
           <a:p>
             <a:fld id="{5E5C5582-D9B6-4415-B102-8236DEA01994}" type="datetimeFigureOut">
               <a:rPr lang="ru-RU" smtClean="0"/>
-              <a:t>30.11.2018</a:t>
+              <a:t>02.12.2018</a:t>
             </a:fld>
             <a:endParaRPr lang="ru-RU"/>
           </a:p>
@@ -16255,7 +16255,7 @@
           <a:p>
             <a:fld id="{5E5C5582-D9B6-4415-B102-8236DEA01994}" type="datetimeFigureOut">
               <a:rPr lang="ru-RU" smtClean="0"/>
-              <a:t>30.11.2018</a:t>
+              <a:t>02.12.2018</a:t>
             </a:fld>
             <a:endParaRPr lang="ru-RU"/>
           </a:p>
@@ -18862,8 +18862,8 @@
         </p:nvSpPr>
         <p:spPr>
           <a:xfrm>
-            <a:off x="59029" y="336102"/>
-            <a:ext cx="8727389" cy="1200329"/>
+            <a:off x="59030" y="336102"/>
+            <a:ext cx="8727390" cy="1200329"/>
           </a:xfrm>
           <a:prstGeom prst="rect">
             <a:avLst/>
@@ -18904,7 +18904,20 @@
                   </a:outerShdw>
                 </a:effectLst>
               </a:rPr>
-              <a:t> части системы использованы мониторинга</a:t>
+              <a:t> части </a:t>
+            </a:r>
+            <a:r>
+              <a:rPr lang="ru-RU" sz="3600" dirty="0" smtClean="0">
+                <a:ln w="0"/>
+                <a:effectLst>
+                  <a:outerShdw blurRad="38100" dist="19050" dir="2700000" algn="tl" rotWithShape="0">
+                    <a:schemeClr val="dk1">
+                      <a:alpha val="40000"/>
+                    </a:schemeClr>
+                  </a:outerShdw>
+                </a:effectLst>
+              </a:rPr>
+              <a:t>системы мониторинга использованы</a:t>
             </a:r>
             <a:endParaRPr lang="ru-RU" sz="3600" b="0" cap="none" spc="0" dirty="0">
               <a:ln w="0"/>
@@ -19658,7 +19671,15 @@
             <a:pPr indent="400050" algn="just"/>
             <a:r>
               <a:rPr lang="ru-RU" dirty="0"/>
-              <a:t>К сожалению большинство открытых систем мониторинга слишком сложны в настройке и эксплуатации. Другие предоставляют огромное количество возможностей, за которые приходится платить высокими системными требованиями. Третьи имеют очень высокую стоимость.</a:t>
+              <a:t>К сожалению большинство открытых систем мониторинга слишком сложны в настройке и эксплуатации. Другие предоставляют огромное </a:t>
+            </a:r>
+            <a:r>
+              <a:rPr lang="ru-RU" dirty="0" smtClean="0"/>
+              <a:t>количество второстепенных </a:t>
+            </a:r>
+            <a:r>
+              <a:rPr lang="ru-RU" dirty="0"/>
+              <a:t>возможностей, за которые приходится платить высокими системными требованиями. Третьи имеют очень высокую стоимость.</a:t>
             </a:r>
           </a:p>
           <a:p>
@@ -21611,8 +21632,37 @@
                   </a:outerShdw>
                 </a:effectLst>
               </a:rPr>
-              <a:t>оторый поддерживают</a:t>
+              <a:t>оторый </a:t>
             </a:r>
+            <a:r>
+              <a:rPr lang="ru-RU" sz="4000" b="0" cap="none" spc="0" dirty="0" smtClean="0">
+                <a:ln w="0"/>
+                <a:solidFill>
+                  <a:schemeClr val="tx1"/>
+                </a:solidFill>
+                <a:effectLst>
+                  <a:outerShdw blurRad="38100" dist="19050" dir="2700000" algn="tl" rotWithShape="0">
+                    <a:schemeClr val="dk1">
+                      <a:alpha val="40000"/>
+                    </a:schemeClr>
+                  </a:outerShdw>
+                </a:effectLst>
+              </a:rPr>
+              <a:t>поддерживает</a:t>
+            </a:r>
+            <a:endParaRPr lang="ru-RU" sz="4000" b="0" cap="none" spc="0" dirty="0" smtClean="0">
+              <a:ln w="0"/>
+              <a:solidFill>
+                <a:schemeClr val="tx1"/>
+              </a:solidFill>
+              <a:effectLst>
+                <a:outerShdw blurRad="38100" dist="19050" dir="2700000" algn="tl" rotWithShape="0">
+                  <a:schemeClr val="dk1">
+                    <a:alpha val="40000"/>
+                  </a:schemeClr>
+                </a:outerShdw>
+              </a:effectLst>
+            </a:endParaRPr>
           </a:p>
           <a:p>
             <a:pPr algn="ctr"/>
